--- a/workshop01.pptx
+++ b/workshop01.pptx
@@ -5,27 +5,31 @@
     <p:sldMasterId id="2147483648" r:id="rId1"/>
   </p:sldMasterIdLst>
   <p:notesMasterIdLst>
-    <p:notesMasterId r:id="rId20"/>
+    <p:notesMasterId r:id="rId24"/>
   </p:notesMasterIdLst>
   <p:sldIdLst>
     <p:sldId id="265" r:id="rId2"/>
     <p:sldId id="271" r:id="rId3"/>
-    <p:sldId id="257" r:id="rId4"/>
-    <p:sldId id="259" r:id="rId5"/>
-    <p:sldId id="258" r:id="rId6"/>
-    <p:sldId id="261" r:id="rId7"/>
-    <p:sldId id="260" r:id="rId8"/>
-    <p:sldId id="267" r:id="rId9"/>
-    <p:sldId id="268" r:id="rId10"/>
-    <p:sldId id="269" r:id="rId11"/>
-    <p:sldId id="272" r:id="rId12"/>
-    <p:sldId id="270" r:id="rId13"/>
-    <p:sldId id="273" r:id="rId14"/>
-    <p:sldId id="262" r:id="rId15"/>
-    <p:sldId id="263" r:id="rId16"/>
-    <p:sldId id="274" r:id="rId17"/>
-    <p:sldId id="264" r:id="rId18"/>
-    <p:sldId id="266" r:id="rId19"/>
+    <p:sldId id="277" r:id="rId4"/>
+    <p:sldId id="257" r:id="rId5"/>
+    <p:sldId id="259" r:id="rId6"/>
+    <p:sldId id="258" r:id="rId7"/>
+    <p:sldId id="261" r:id="rId8"/>
+    <p:sldId id="275" r:id="rId9"/>
+    <p:sldId id="260" r:id="rId10"/>
+    <p:sldId id="267" r:id="rId11"/>
+    <p:sldId id="268" r:id="rId12"/>
+    <p:sldId id="269" r:id="rId13"/>
+    <p:sldId id="272" r:id="rId14"/>
+    <p:sldId id="276" r:id="rId15"/>
+    <p:sldId id="270" r:id="rId16"/>
+    <p:sldId id="273" r:id="rId17"/>
+    <p:sldId id="262" r:id="rId18"/>
+    <p:sldId id="263" r:id="rId19"/>
+    <p:sldId id="274" r:id="rId20"/>
+    <p:sldId id="278" r:id="rId21"/>
+    <p:sldId id="264" r:id="rId22"/>
+    <p:sldId id="266" r:id="rId23"/>
   </p:sldIdLst>
   <p:sldSz cx="12192000" cy="6858000"/>
   <p:notesSz cx="6858000" cy="9144000"/>
@@ -124,6 +128,14 @@
       </a:defRPr>
     </a:lvl9pPr>
   </p:defaultTextStyle>
+  <p:extLst>
+    <p:ext uri="{EFAFB233-063F-42B5-8137-9DF3F51BA10A}">
+      <p15:sldGuideLst xmlns:p15="http://schemas.microsoft.com/office/powerpoint/2012/main"/>
+    </p:ext>
+    <p:ext uri="{2D200454-40CA-4A62-9FC3-DE9A4176ACB9}">
+      <p15:notesGuideLst xmlns:p15="http://schemas.microsoft.com/office/powerpoint/2012/main"/>
+    </p:ext>
+  </p:extLst>
 </p:presentation>
 </file>
 
@@ -209,7 +221,7 @@
           <a:p>
             <a:fld id="{FC28E668-FDCA-C840-9246-750D067171BB}" type="datetimeFigureOut">
               <a:rPr lang="nb-NO" smtClean="0"/>
-              <a:t>15.09.2022</a:t>
+              <a:t>26.10.2022</a:t>
             </a:fld>
             <a:endParaRPr lang="nb-NO"/>
           </a:p>
@@ -541,7 +553,7 @@
           <a:p>
             <a:fld id="{FE58C80F-74D4-D646-878B-A392ECFB8792}" type="slidenum">
               <a:rPr lang="nb-NO" smtClean="0"/>
-              <a:t>6</a:t>
+              <a:t>7</a:t>
             </a:fld>
             <a:endParaRPr lang="nb-NO"/>
           </a:p>
@@ -625,7 +637,7 @@
           <a:p>
             <a:fld id="{FE58C80F-74D4-D646-878B-A392ECFB8792}" type="slidenum">
               <a:rPr lang="nb-NO" smtClean="0"/>
-              <a:t>7</a:t>
+              <a:t>9</a:t>
             </a:fld>
             <a:endParaRPr lang="nb-NO"/>
           </a:p>
@@ -709,7 +721,7 @@
           <a:p>
             <a:fld id="{FE58C80F-74D4-D646-878B-A392ECFB8792}" type="slidenum">
               <a:rPr lang="nb-NO" smtClean="0"/>
-              <a:t>8</a:t>
+              <a:t>10</a:t>
             </a:fld>
             <a:endParaRPr lang="nb-NO"/>
           </a:p>
@@ -821,7 +833,7 @@
           <a:p>
             <a:fld id="{FE58C80F-74D4-D646-878B-A392ECFB8792}" type="slidenum">
               <a:rPr lang="nb-NO" smtClean="0"/>
-              <a:t>9</a:t>
+              <a:t>11</a:t>
             </a:fld>
             <a:endParaRPr lang="nb-NO"/>
           </a:p>
@@ -905,7 +917,7 @@
           <a:p>
             <a:fld id="{FE58C80F-74D4-D646-878B-A392ECFB8792}" type="slidenum">
               <a:rPr lang="nb-NO" smtClean="0"/>
-              <a:t>12</a:t>
+              <a:t>15</a:t>
             </a:fld>
             <a:endParaRPr lang="nb-NO"/>
           </a:p>
@@ -989,7 +1001,7 @@
           <a:p>
             <a:fld id="{FE58C80F-74D4-D646-878B-A392ECFB8792}" type="slidenum">
               <a:rPr lang="nb-NO" smtClean="0"/>
-              <a:t>13</a:t>
+              <a:t>16</a:t>
             </a:fld>
             <a:endParaRPr lang="nb-NO"/>
           </a:p>
@@ -1155,7 +1167,7 @@
           <a:p>
             <a:fld id="{5AFDC604-6D5B-A843-8E4A-4B8C44DA6F86}" type="datetimeFigureOut">
               <a:rPr lang="nb-NO" smtClean="0"/>
-              <a:t>15.09.2022</a:t>
+              <a:t>26.10.2022</a:t>
             </a:fld>
             <a:endParaRPr lang="nb-NO"/>
           </a:p>
@@ -1353,7 +1365,7 @@
           <a:p>
             <a:fld id="{5AFDC604-6D5B-A843-8E4A-4B8C44DA6F86}" type="datetimeFigureOut">
               <a:rPr lang="nb-NO" smtClean="0"/>
-              <a:t>15.09.2022</a:t>
+              <a:t>26.10.2022</a:t>
             </a:fld>
             <a:endParaRPr lang="nb-NO"/>
           </a:p>
@@ -1561,7 +1573,7 @@
           <a:p>
             <a:fld id="{5AFDC604-6D5B-A843-8E4A-4B8C44DA6F86}" type="datetimeFigureOut">
               <a:rPr lang="nb-NO" smtClean="0"/>
-              <a:t>15.09.2022</a:t>
+              <a:t>26.10.2022</a:t>
             </a:fld>
             <a:endParaRPr lang="nb-NO"/>
           </a:p>
@@ -1759,7 +1771,7 @@
           <a:p>
             <a:fld id="{5AFDC604-6D5B-A843-8E4A-4B8C44DA6F86}" type="datetimeFigureOut">
               <a:rPr lang="nb-NO" smtClean="0"/>
-              <a:t>15.09.2022</a:t>
+              <a:t>26.10.2022</a:t>
             </a:fld>
             <a:endParaRPr lang="nb-NO"/>
           </a:p>
@@ -2034,7 +2046,7 @@
           <a:p>
             <a:fld id="{5AFDC604-6D5B-A843-8E4A-4B8C44DA6F86}" type="datetimeFigureOut">
               <a:rPr lang="nb-NO" smtClean="0"/>
-              <a:t>15.09.2022</a:t>
+              <a:t>26.10.2022</a:t>
             </a:fld>
             <a:endParaRPr lang="nb-NO"/>
           </a:p>
@@ -2299,7 +2311,7 @@
           <a:p>
             <a:fld id="{5AFDC604-6D5B-A843-8E4A-4B8C44DA6F86}" type="datetimeFigureOut">
               <a:rPr lang="nb-NO" smtClean="0"/>
-              <a:t>15.09.2022</a:t>
+              <a:t>26.10.2022</a:t>
             </a:fld>
             <a:endParaRPr lang="nb-NO"/>
           </a:p>
@@ -2711,7 +2723,7 @@
           <a:p>
             <a:fld id="{5AFDC604-6D5B-A843-8E4A-4B8C44DA6F86}" type="datetimeFigureOut">
               <a:rPr lang="nb-NO" smtClean="0"/>
-              <a:t>15.09.2022</a:t>
+              <a:t>26.10.2022</a:t>
             </a:fld>
             <a:endParaRPr lang="nb-NO"/>
           </a:p>
@@ -2852,7 +2864,7 @@
           <a:p>
             <a:fld id="{5AFDC604-6D5B-A843-8E4A-4B8C44DA6F86}" type="datetimeFigureOut">
               <a:rPr lang="nb-NO" smtClean="0"/>
-              <a:t>15.09.2022</a:t>
+              <a:t>26.10.2022</a:t>
             </a:fld>
             <a:endParaRPr lang="nb-NO"/>
           </a:p>
@@ -2965,7 +2977,7 @@
           <a:p>
             <a:fld id="{5AFDC604-6D5B-A843-8E4A-4B8C44DA6F86}" type="datetimeFigureOut">
               <a:rPr lang="nb-NO" smtClean="0"/>
-              <a:t>15.09.2022</a:t>
+              <a:t>26.10.2022</a:t>
             </a:fld>
             <a:endParaRPr lang="nb-NO"/>
           </a:p>
@@ -3276,7 +3288,7 @@
           <a:p>
             <a:fld id="{5AFDC604-6D5B-A843-8E4A-4B8C44DA6F86}" type="datetimeFigureOut">
               <a:rPr lang="nb-NO" smtClean="0"/>
-              <a:t>15.09.2022</a:t>
+              <a:t>26.10.2022</a:t>
             </a:fld>
             <a:endParaRPr lang="nb-NO"/>
           </a:p>
@@ -3564,7 +3576,7 @@
           <a:p>
             <a:fld id="{5AFDC604-6D5B-A843-8E4A-4B8C44DA6F86}" type="datetimeFigureOut">
               <a:rPr lang="nb-NO" smtClean="0"/>
-              <a:t>15.09.2022</a:t>
+              <a:t>26.10.2022</a:t>
             </a:fld>
             <a:endParaRPr lang="nb-NO"/>
           </a:p>
@@ -3805,7 +3817,7 @@
           <a:p>
             <a:fld id="{5AFDC604-6D5B-A843-8E4A-4B8C44DA6F86}" type="datetimeFigureOut">
               <a:rPr lang="nb-NO" smtClean="0"/>
-              <a:t>15.09.2022</a:t>
+              <a:t>26.10.2022</a:t>
             </a:fld>
             <a:endParaRPr lang="nb-NO"/>
           </a:p>
@@ -4436,6 +4448,382 @@
           <p:cNvPr id="2" name="Tittel 1">
             <a:extLst>
               <a:ext uri="{FF2B5EF4-FFF2-40B4-BE49-F238E27FC236}">
+                <a16:creationId xmlns:a16="http://schemas.microsoft.com/office/drawing/2014/main" id="{D6D94FEE-80A2-06AA-33F0-CF47613B7B4B}"/>
+              </a:ext>
+            </a:extLst>
+          </p:cNvPr>
+          <p:cNvSpPr>
+            <a:spLocks noGrp="1"/>
+          </p:cNvSpPr>
+          <p:nvPr>
+            <p:ph type="title"/>
+          </p:nvPr>
+        </p:nvSpPr>
+        <p:spPr/>
+        <p:txBody>
+          <a:bodyPr/>
+          <a:lstStyle/>
+          <a:p>
+            <a:r>
+              <a:rPr lang="nb-NO" dirty="0" err="1"/>
+              <a:t>Docker-compose</a:t>
+            </a:r>
+            <a:endParaRPr lang="nb-NO" dirty="0"/>
+          </a:p>
+        </p:txBody>
+      </p:sp>
+      <p:sp>
+        <p:nvSpPr>
+          <p:cNvPr id="3" name="Plassholder for innhold 2">
+            <a:extLst>
+              <a:ext uri="{FF2B5EF4-FFF2-40B4-BE49-F238E27FC236}">
+                <a16:creationId xmlns:a16="http://schemas.microsoft.com/office/drawing/2014/main" id="{388162EB-5B8C-5F9A-2CD2-F154C468C84E}"/>
+              </a:ext>
+            </a:extLst>
+          </p:cNvPr>
+          <p:cNvSpPr>
+            <a:spLocks noGrp="1"/>
+          </p:cNvSpPr>
+          <p:nvPr>
+            <p:ph idx="1"/>
+          </p:nvPr>
+        </p:nvSpPr>
+        <p:spPr/>
+        <p:txBody>
+          <a:bodyPr/>
+          <a:lstStyle/>
+          <a:p>
+            <a:endParaRPr lang="nb-NO" dirty="0"/>
+          </a:p>
+        </p:txBody>
+      </p:sp>
+      <p:pic>
+        <p:nvPicPr>
+          <p:cNvPr id="4" name="Bilde 3">
+            <a:extLst>
+              <a:ext uri="{FF2B5EF4-FFF2-40B4-BE49-F238E27FC236}">
+                <a16:creationId xmlns:a16="http://schemas.microsoft.com/office/drawing/2014/main" id="{364B0E3A-61F9-4B18-779D-4D811419B639}"/>
+              </a:ext>
+            </a:extLst>
+          </p:cNvPr>
+          <p:cNvPicPr>
+            <a:picLocks noChangeAspect="1"/>
+          </p:cNvPicPr>
+          <p:nvPr/>
+        </p:nvPicPr>
+        <p:blipFill>
+          <a:blip r:embed="rId3"/>
+          <a:stretch>
+            <a:fillRect/>
+          </a:stretch>
+        </p:blipFill>
+        <p:spPr>
+          <a:xfrm>
+            <a:off x="838200" y="1690688"/>
+            <a:ext cx="10863669" cy="4710064"/>
+          </a:xfrm>
+          <a:prstGeom prst="rect">
+            <a:avLst/>
+          </a:prstGeom>
+        </p:spPr>
+      </p:pic>
+    </p:spTree>
+    <p:extLst>
+      <p:ext uri="{BB962C8B-B14F-4D97-AF65-F5344CB8AC3E}">
+        <p14:creationId xmlns:p14="http://schemas.microsoft.com/office/powerpoint/2010/main" val="2716805231"/>
+      </p:ext>
+    </p:extLst>
+  </p:cSld>
+  <p:clrMapOvr>
+    <a:masterClrMapping/>
+  </p:clrMapOvr>
+</p:sld>
+</file>
+
+<file path=ppt/slides/slide11.xml><?xml version="1.0" encoding="utf-8"?>
+<p:sld xmlns:a="http://schemas.openxmlformats.org/drawingml/2006/main" xmlns:r="http://schemas.openxmlformats.org/officeDocument/2006/relationships" xmlns:p="http://schemas.openxmlformats.org/presentationml/2006/main">
+  <p:cSld>
+    <p:spTree>
+      <p:nvGrpSpPr>
+        <p:cNvPr id="1" name=""/>
+        <p:cNvGrpSpPr/>
+        <p:nvPr/>
+      </p:nvGrpSpPr>
+      <p:grpSpPr>
+        <a:xfrm>
+          <a:off x="0" y="0"/>
+          <a:ext cx="0" cy="0"/>
+          <a:chOff x="0" y="0"/>
+          <a:chExt cx="0" cy="0"/>
+        </a:xfrm>
+      </p:grpSpPr>
+      <p:sp>
+        <p:nvSpPr>
+          <p:cNvPr id="2" name="Tittel 1">
+            <a:extLst>
+              <a:ext uri="{FF2B5EF4-FFF2-40B4-BE49-F238E27FC236}">
+                <a16:creationId xmlns:a16="http://schemas.microsoft.com/office/drawing/2014/main" id="{842C715B-AF44-4C1D-02ED-2A3C911A7538}"/>
+              </a:ext>
+            </a:extLst>
+          </p:cNvPr>
+          <p:cNvSpPr>
+            <a:spLocks noGrp="1"/>
+          </p:cNvSpPr>
+          <p:nvPr>
+            <p:ph type="title"/>
+          </p:nvPr>
+        </p:nvSpPr>
+        <p:spPr/>
+        <p:txBody>
+          <a:bodyPr/>
+          <a:lstStyle/>
+          <a:p>
+            <a:r>
+              <a:rPr lang="nb-NO" dirty="0" err="1"/>
+              <a:t>Docker-compose</a:t>
+            </a:r>
+            <a:endParaRPr lang="nb-NO" dirty="0"/>
+          </a:p>
+        </p:txBody>
+      </p:sp>
+      <p:sp>
+        <p:nvSpPr>
+          <p:cNvPr id="3" name="Plassholder for innhold 2">
+            <a:extLst>
+              <a:ext uri="{FF2B5EF4-FFF2-40B4-BE49-F238E27FC236}">
+                <a16:creationId xmlns:a16="http://schemas.microsoft.com/office/drawing/2014/main" id="{04899C72-8B1B-1639-D207-AD2B7781DC63}"/>
+              </a:ext>
+            </a:extLst>
+          </p:cNvPr>
+          <p:cNvSpPr>
+            <a:spLocks noGrp="1"/>
+          </p:cNvSpPr>
+          <p:nvPr>
+            <p:ph idx="1"/>
+          </p:nvPr>
+        </p:nvSpPr>
+        <p:spPr/>
+        <p:txBody>
+          <a:bodyPr>
+            <a:normAutofit lnSpcReduction="10000"/>
+          </a:bodyPr>
+          <a:lstStyle/>
+          <a:p>
+            <a:r>
+              <a:rPr lang="nb-NO" dirty="0"/>
+              <a:t>Hva du MÅ vite</a:t>
+            </a:r>
+          </a:p>
+          <a:p>
+            <a:pPr lvl="1"/>
+            <a:r>
+              <a:rPr lang="nb-NO" dirty="0"/>
+              <a:t>Version: 3.7</a:t>
+            </a:r>
+          </a:p>
+          <a:p>
+            <a:pPr lvl="2"/>
+            <a:r>
+              <a:rPr lang="nb-NO" dirty="0"/>
+              <a:t>Refererer til syntaks versjonen av </a:t>
+            </a:r>
+            <a:r>
+              <a:rPr lang="nb-NO" dirty="0" err="1"/>
+              <a:t>docker-compose.yml</a:t>
+            </a:r>
+            <a:endParaRPr lang="nb-NO" dirty="0"/>
+          </a:p>
+          <a:p>
+            <a:pPr lvl="1"/>
+            <a:r>
+              <a:rPr lang="nb-NO" dirty="0"/>
+              <a:t>YML</a:t>
+            </a:r>
+          </a:p>
+          <a:p>
+            <a:pPr lvl="2"/>
+            <a:r>
+              <a:rPr lang="nb-NO" dirty="0"/>
+              <a:t>Alternativ til JSON.  JSON </a:t>
+            </a:r>
+            <a:r>
+              <a:rPr lang="nb-NO" dirty="0" err="1"/>
+              <a:t>meets</a:t>
+            </a:r>
+            <a:r>
+              <a:rPr lang="nb-NO" dirty="0"/>
+              <a:t> Python</a:t>
+            </a:r>
+          </a:p>
+          <a:p>
+            <a:pPr lvl="2"/>
+            <a:r>
+              <a:rPr lang="nb-NO" dirty="0"/>
+              <a:t>Innrykk er viktig</a:t>
+            </a:r>
+          </a:p>
+          <a:p>
+            <a:pPr lvl="2"/>
+            <a:r>
+              <a:rPr lang="nb-NO" dirty="0"/>
+              <a:t>«-» er </a:t>
+            </a:r>
+            <a:r>
+              <a:rPr lang="nb-NO" dirty="0" err="1"/>
+              <a:t>Array</a:t>
+            </a:r>
+            <a:r>
+              <a:rPr lang="nb-NO" dirty="0"/>
+              <a:t> notasjon</a:t>
+            </a:r>
+          </a:p>
+          <a:p>
+            <a:pPr lvl="1"/>
+            <a:r>
+              <a:rPr lang="nb-NO" dirty="0"/>
+              <a:t>Orkestrerer</a:t>
+            </a:r>
+          </a:p>
+          <a:p>
+            <a:pPr lvl="2"/>
+            <a:r>
+              <a:rPr lang="nb-NO" dirty="0"/>
+              <a:t>Kan knytte sammen flere containere, </a:t>
+            </a:r>
+          </a:p>
+          <a:p>
+            <a:pPr lvl="2"/>
+            <a:r>
+              <a:rPr lang="nb-NO" dirty="0"/>
+              <a:t>med filer og nett mellom disse</a:t>
+            </a:r>
+          </a:p>
+          <a:p>
+            <a:pPr lvl="1"/>
+            <a:r>
+              <a:rPr lang="nb-NO" dirty="0"/>
+              <a:t>Kommandoer</a:t>
+            </a:r>
+          </a:p>
+          <a:p>
+            <a:pPr lvl="2"/>
+            <a:r>
+              <a:rPr lang="nb-NO" dirty="0"/>
+              <a:t>:&gt;</a:t>
+            </a:r>
+            <a:r>
+              <a:rPr lang="nb-NO" dirty="0" err="1"/>
+              <a:t>docker-compose</a:t>
+            </a:r>
+            <a:r>
+              <a:rPr lang="nb-NO" dirty="0"/>
+              <a:t> up</a:t>
+            </a:r>
+          </a:p>
+          <a:p>
+            <a:pPr lvl="2"/>
+            <a:r>
+              <a:rPr lang="nb-NO" dirty="0"/>
+              <a:t>:&gt;</a:t>
+            </a:r>
+            <a:r>
+              <a:rPr lang="nb-NO" dirty="0" err="1"/>
+              <a:t>docker-compose</a:t>
+            </a:r>
+            <a:r>
+              <a:rPr lang="nb-NO" dirty="0"/>
+              <a:t> </a:t>
+            </a:r>
+            <a:r>
+              <a:rPr lang="nb-NO" dirty="0" err="1"/>
+              <a:t>down</a:t>
+            </a:r>
+            <a:endParaRPr lang="nb-NO" dirty="0"/>
+          </a:p>
+        </p:txBody>
+      </p:sp>
+      <p:pic>
+        <p:nvPicPr>
+          <p:cNvPr id="4" name="Picture 4" descr="Conoce el desarrollo Odoo con Docker | Guía rápida - Binaural">
+            <a:extLst>
+              <a:ext uri="{FF2B5EF4-FFF2-40B4-BE49-F238E27FC236}">
+                <a16:creationId xmlns:a16="http://schemas.microsoft.com/office/drawing/2014/main" id="{09600E2B-3F0C-8A2C-50F0-545428519762}"/>
+              </a:ext>
+            </a:extLst>
+          </p:cNvPr>
+          <p:cNvPicPr>
+            <a:picLocks noChangeAspect="1" noChangeArrowheads="1"/>
+          </p:cNvPicPr>
+          <p:nvPr/>
+        </p:nvPicPr>
+        <p:blipFill>
+          <a:blip r:embed="rId3">
+            <a:extLst>
+              <a:ext uri="{28A0092B-C50C-407E-A947-70E740481C1C}">
+                <a14:useLocalDpi xmlns:a14="http://schemas.microsoft.com/office/drawing/2010/main" val="0"/>
+              </a:ext>
+            </a:extLst>
+          </a:blip>
+          <a:srcRect/>
+          <a:stretch>
+            <a:fillRect/>
+          </a:stretch>
+        </p:blipFill>
+        <p:spPr bwMode="auto">
+          <a:xfrm>
+            <a:off x="6344528" y="3841482"/>
+            <a:ext cx="4713588" cy="2651393"/>
+          </a:xfrm>
+          <a:prstGeom prst="rect">
+            <a:avLst/>
+          </a:prstGeom>
+          <a:noFill/>
+          <a:extLst>
+            <a:ext uri="{909E8E84-426E-40DD-AFC4-6F175D3DCCD1}">
+              <a14:hiddenFill xmlns:a14="http://schemas.microsoft.com/office/drawing/2010/main">
+                <a:solidFill>
+                  <a:srgbClr val="FFFFFF"/>
+                </a:solidFill>
+              </a14:hiddenFill>
+            </a:ext>
+          </a:extLst>
+        </p:spPr>
+      </p:pic>
+    </p:spTree>
+    <p:extLst>
+      <p:ext uri="{BB962C8B-B14F-4D97-AF65-F5344CB8AC3E}">
+        <p14:creationId xmlns:p14="http://schemas.microsoft.com/office/powerpoint/2010/main" val="1245083469"/>
+      </p:ext>
+    </p:extLst>
+  </p:cSld>
+  <p:clrMapOvr>
+    <a:masterClrMapping/>
+  </p:clrMapOvr>
+</p:sld>
+</file>
+
+<file path=ppt/slides/slide12.xml><?xml version="1.0" encoding="utf-8"?>
+<p:sld xmlns:a="http://schemas.openxmlformats.org/drawingml/2006/main" xmlns:r="http://schemas.openxmlformats.org/officeDocument/2006/relationships" xmlns:p="http://schemas.openxmlformats.org/presentationml/2006/main">
+  <p:cSld>
+    <p:spTree>
+      <p:nvGrpSpPr>
+        <p:cNvPr id="1" name=""/>
+        <p:cNvGrpSpPr/>
+        <p:nvPr/>
+      </p:nvGrpSpPr>
+      <p:grpSpPr>
+        <a:xfrm>
+          <a:off x="0" y="0"/>
+          <a:ext cx="0" cy="0"/>
+          <a:chOff x="0" y="0"/>
+          <a:chExt cx="0" cy="0"/>
+        </a:xfrm>
+      </p:grpSpPr>
+      <p:sp>
+        <p:nvSpPr>
+          <p:cNvPr id="2" name="Tittel 1">
+            <a:extLst>
+              <a:ext uri="{FF2B5EF4-FFF2-40B4-BE49-F238E27FC236}">
                 <a16:creationId xmlns:a16="http://schemas.microsoft.com/office/drawing/2014/main" id="{C0C332AE-FDCC-AEFB-6E91-A21C42CF401A}"/>
               </a:ext>
             </a:extLst>
@@ -4454,7 +4842,15 @@
           <a:p>
             <a:r>
               <a:rPr lang="nb-NO" dirty="0"/>
-              <a:t>Da kan vi »Gå inn i containeren»</a:t>
+              <a:t>Da kan vi »Gå inn i containeren», </a:t>
+            </a:r>
+            <a:r>
+              <a:rPr lang="nb-NO" dirty="0" err="1"/>
+              <a:t>dvs</a:t>
+            </a:r>
+            <a:r>
+              <a:rPr lang="nb-NO" dirty="0"/>
+              <a:t> åpne filsystemet i containeren...</a:t>
             </a:r>
           </a:p>
         </p:txBody>
@@ -4561,7 +4957,7 @@
         </p:blipFill>
         <p:spPr>
           <a:xfrm>
-            <a:off x="2446637" y="1520816"/>
+            <a:off x="2446637" y="1540703"/>
             <a:ext cx="7772400" cy="4327114"/>
           </a:xfrm>
           <a:prstGeom prst="rect">
@@ -4582,7 +4978,7 @@
 </p:sld>
 </file>
 
-<file path=ppt/slides/slide11.xml><?xml version="1.0" encoding="utf-8"?>
+<file path=ppt/slides/slide13.xml><?xml version="1.0" encoding="utf-8"?>
 <p:sld xmlns:a="http://schemas.openxmlformats.org/drawingml/2006/main" xmlns:r="http://schemas.openxmlformats.org/officeDocument/2006/relationships" xmlns:p="http://schemas.openxmlformats.org/presentationml/2006/main">
   <p:cSld>
     <p:spTree>
@@ -4735,7 +5131,7 @@
 </p:sld>
 </file>
 
-<file path=ppt/slides/slide12.xml><?xml version="1.0" encoding="utf-8"?>
+<file path=ppt/slides/slide14.xml><?xml version="1.0" encoding="utf-8"?>
 <p:sld xmlns:a="http://schemas.openxmlformats.org/drawingml/2006/main" xmlns:r="http://schemas.openxmlformats.org/officeDocument/2006/relationships" xmlns:p="http://schemas.openxmlformats.org/presentationml/2006/main">
   <p:cSld>
     <p:spTree>
@@ -4757,6 +5153,314 @@
           <p:cNvPr id="2" name="Tittel 1">
             <a:extLst>
               <a:ext uri="{FF2B5EF4-FFF2-40B4-BE49-F238E27FC236}">
+                <a16:creationId xmlns:a16="http://schemas.microsoft.com/office/drawing/2014/main" id="{BCA7B8AE-1EBF-6866-6332-B110BE92F815}"/>
+              </a:ext>
+            </a:extLst>
+          </p:cNvPr>
+          <p:cNvSpPr>
+            <a:spLocks noGrp="1"/>
+          </p:cNvSpPr>
+          <p:nvPr>
+            <p:ph type="title"/>
+          </p:nvPr>
+        </p:nvSpPr>
+        <p:spPr/>
+        <p:txBody>
+          <a:bodyPr/>
+          <a:lstStyle/>
+          <a:p>
+            <a:r>
+              <a:rPr lang="nb-NO" dirty="0"/>
+              <a:t>LAB2 Fortran med </a:t>
+            </a:r>
+            <a:r>
+              <a:rPr lang="nb-NO" dirty="0" err="1"/>
+              <a:t>Docker</a:t>
+            </a:r>
+            <a:r>
+              <a:rPr lang="nb-NO" dirty="0"/>
+              <a:t> </a:t>
+            </a:r>
+            <a:r>
+              <a:rPr lang="nb-NO" dirty="0" err="1"/>
+              <a:t>Compose</a:t>
+            </a:r>
+            <a:endParaRPr lang="nb-NO" dirty="0"/>
+          </a:p>
+        </p:txBody>
+      </p:sp>
+      <p:sp>
+        <p:nvSpPr>
+          <p:cNvPr id="3" name="Plassholder for innhold 2">
+            <a:extLst>
+              <a:ext uri="{FF2B5EF4-FFF2-40B4-BE49-F238E27FC236}">
+                <a16:creationId xmlns:a16="http://schemas.microsoft.com/office/drawing/2014/main" id="{C5AD5B0C-42D5-8574-FAA9-1B7D9FDA87A3}"/>
+              </a:ext>
+            </a:extLst>
+          </p:cNvPr>
+          <p:cNvSpPr>
+            <a:spLocks noGrp="1"/>
+          </p:cNvSpPr>
+          <p:nvPr>
+            <p:ph idx="1"/>
+          </p:nvPr>
+        </p:nvSpPr>
+        <p:spPr/>
+        <p:txBody>
+          <a:bodyPr>
+            <a:normAutofit fontScale="92500" lnSpcReduction="10000"/>
+          </a:bodyPr>
+          <a:lstStyle/>
+          <a:p>
+            <a:r>
+              <a:rPr lang="nb-NO" dirty="0"/>
+              <a:t>Læringspunkter</a:t>
+            </a:r>
+          </a:p>
+          <a:p>
+            <a:pPr lvl="1"/>
+            <a:r>
+              <a:rPr lang="nb-NO" dirty="0"/>
+              <a:t>Vi kan i </a:t>
+            </a:r>
+            <a:r>
+              <a:rPr lang="nb-NO" dirty="0" err="1"/>
+              <a:t>vs</a:t>
+            </a:r>
+            <a:r>
+              <a:rPr lang="nb-NO" dirty="0"/>
+              <a:t> </a:t>
+            </a:r>
+            <a:r>
+              <a:rPr lang="nb-NO" dirty="0" err="1"/>
+              <a:t>code</a:t>
+            </a:r>
+            <a:r>
+              <a:rPr lang="nb-NO" dirty="0"/>
+              <a:t> </a:t>
+            </a:r>
+            <a:r>
+              <a:rPr lang="nb-NO" dirty="0" err="1"/>
+              <a:t>høyreklikke</a:t>
+            </a:r>
+            <a:r>
+              <a:rPr lang="nb-NO" dirty="0"/>
+              <a:t> på en </a:t>
+            </a:r>
+            <a:r>
+              <a:rPr lang="nb-NO" dirty="0" err="1"/>
+              <a:t>docker-compose.yml</a:t>
+            </a:r>
+            <a:r>
+              <a:rPr lang="nb-NO" dirty="0"/>
+              <a:t> file for start/stopp</a:t>
+            </a:r>
+          </a:p>
+          <a:p>
+            <a:pPr lvl="1"/>
+            <a:r>
+              <a:rPr lang="nb-NO" dirty="0"/>
+              <a:t>Vi bruker </a:t>
+            </a:r>
+            <a:r>
+              <a:rPr lang="nb-NO" dirty="0" err="1"/>
+              <a:t>tty</a:t>
+            </a:r>
+            <a:r>
+              <a:rPr lang="nb-NO" dirty="0"/>
+              <a:t> for å stoppe containeren (unngå at den terminerer umiddelbart)</a:t>
+            </a:r>
+          </a:p>
+          <a:p>
+            <a:pPr lvl="1"/>
+            <a:r>
+              <a:rPr lang="nb-NO" dirty="0"/>
+              <a:t>Vi kan peke på en </a:t>
+            </a:r>
+            <a:r>
+              <a:rPr lang="nb-NO" dirty="0" err="1"/>
+              <a:t>dockerfile</a:t>
+            </a:r>
+            <a:endParaRPr lang="nb-NO" dirty="0"/>
+          </a:p>
+          <a:p>
+            <a:pPr lvl="1"/>
+            <a:r>
+              <a:rPr lang="nb-NO" dirty="0"/>
+              <a:t>Vi kan kjøre flere run kommandoer i </a:t>
+            </a:r>
+            <a:r>
+              <a:rPr lang="nb-NO" dirty="0" err="1"/>
+              <a:t>Dockerfile</a:t>
+            </a:r>
+            <a:r>
+              <a:rPr lang="nb-NO" dirty="0"/>
+              <a:t>, men ikke i </a:t>
+            </a:r>
+            <a:r>
+              <a:rPr lang="nb-NO" dirty="0" err="1"/>
+              <a:t>compose</a:t>
+            </a:r>
+            <a:endParaRPr lang="nb-NO" dirty="0"/>
+          </a:p>
+          <a:p>
+            <a:pPr lvl="2"/>
+            <a:r>
+              <a:rPr lang="nb-NO" dirty="0"/>
+              <a:t>Kun en kommando til slutt i </a:t>
+            </a:r>
+            <a:r>
+              <a:rPr lang="nb-NO" dirty="0" err="1"/>
+              <a:t>compose</a:t>
+            </a:r>
+            <a:endParaRPr lang="nb-NO" dirty="0"/>
+          </a:p>
+          <a:p>
+            <a:pPr lvl="1"/>
+            <a:r>
+              <a:rPr lang="nb-NO" dirty="0"/>
+              <a:t>Vi kan bruke </a:t>
+            </a:r>
+            <a:r>
+              <a:rPr lang="nb-NO" dirty="0" err="1"/>
+              <a:t>volumes</a:t>
+            </a:r>
+            <a:r>
+              <a:rPr lang="nb-NO" dirty="0"/>
+              <a:t> til å mappe opp lokale foldere i containeren</a:t>
+            </a:r>
+          </a:p>
+          <a:p>
+            <a:pPr lvl="1"/>
+            <a:r>
+              <a:rPr lang="nb-NO" dirty="0"/>
+              <a:t>Vi kan la VS </a:t>
+            </a:r>
+            <a:r>
+              <a:rPr lang="nb-NO" dirty="0" err="1"/>
+              <a:t>code</a:t>
+            </a:r>
+            <a:r>
+              <a:rPr lang="nb-NO" dirty="0"/>
+              <a:t> åpne filsystemet i containeren (</a:t>
+            </a:r>
+            <a:r>
+              <a:rPr lang="nb-NO" dirty="0" err="1"/>
+              <a:t>attatch</a:t>
+            </a:r>
+            <a:r>
+              <a:rPr lang="nb-NO" dirty="0"/>
+              <a:t> to </a:t>
+            </a:r>
+            <a:r>
+              <a:rPr lang="nb-NO" dirty="0" err="1"/>
+              <a:t>running</a:t>
+            </a:r>
+            <a:r>
+              <a:rPr lang="nb-NO" dirty="0"/>
+              <a:t> container)</a:t>
+            </a:r>
+          </a:p>
+          <a:p>
+            <a:pPr lvl="2"/>
+            <a:r>
+              <a:rPr lang="nb-NO" dirty="0"/>
+              <a:t>Hva gir det oss av fordeler?</a:t>
+            </a:r>
+          </a:p>
+          <a:p>
+            <a:pPr lvl="1"/>
+            <a:r>
+              <a:rPr lang="nb-NO" dirty="0"/>
+              <a:t>Vi kan ha egne </a:t>
+            </a:r>
+            <a:r>
+              <a:rPr lang="nb-NO" dirty="0" err="1"/>
+              <a:t>vscode</a:t>
+            </a:r>
+            <a:r>
+              <a:rPr lang="nb-NO" dirty="0"/>
+              <a:t> </a:t>
+            </a:r>
+            <a:r>
+              <a:rPr lang="nb-NO" dirty="0" err="1"/>
+              <a:t>extension</a:t>
+            </a:r>
+            <a:r>
+              <a:rPr lang="nb-NO" dirty="0"/>
+              <a:t> kun i containeren</a:t>
+            </a:r>
+          </a:p>
+          <a:p>
+            <a:pPr lvl="2"/>
+            <a:r>
+              <a:rPr lang="nb-NO" dirty="0"/>
+              <a:t>Kan vi la dem virke neste gang?</a:t>
+            </a:r>
+          </a:p>
+          <a:p>
+            <a:pPr lvl="1"/>
+            <a:r>
+              <a:rPr lang="nb-NO" dirty="0"/>
+              <a:t>Vi kan </a:t>
+            </a:r>
+            <a:r>
+              <a:rPr lang="nb-NO" dirty="0" err="1"/>
+              <a:t>debugge</a:t>
+            </a:r>
+            <a:r>
+              <a:rPr lang="nb-NO" dirty="0"/>
+              <a:t> og utvikle som om vi brukte lokal harddisk</a:t>
+            </a:r>
+          </a:p>
+          <a:p>
+            <a:pPr lvl="2"/>
+            <a:r>
+              <a:rPr lang="nb-NO" dirty="0"/>
+              <a:t>Hvilke fordeler gir det?</a:t>
+            </a:r>
+          </a:p>
+          <a:p>
+            <a:pPr lvl="1"/>
+            <a:endParaRPr lang="nb-NO" dirty="0"/>
+          </a:p>
+        </p:txBody>
+      </p:sp>
+    </p:spTree>
+    <p:extLst>
+      <p:ext uri="{BB962C8B-B14F-4D97-AF65-F5344CB8AC3E}">
+        <p14:creationId xmlns:p14="http://schemas.microsoft.com/office/powerpoint/2010/main" val="2581383993"/>
+      </p:ext>
+    </p:extLst>
+  </p:cSld>
+  <p:clrMapOvr>
+    <a:masterClrMapping/>
+  </p:clrMapOvr>
+</p:sld>
+</file>
+
+<file path=ppt/slides/slide15.xml><?xml version="1.0" encoding="utf-8"?>
+<p:sld xmlns:a="http://schemas.openxmlformats.org/drawingml/2006/main" xmlns:r="http://schemas.openxmlformats.org/officeDocument/2006/relationships" xmlns:p="http://schemas.openxmlformats.org/presentationml/2006/main">
+  <p:cSld>
+    <p:spTree>
+      <p:nvGrpSpPr>
+        <p:cNvPr id="1" name=""/>
+        <p:cNvGrpSpPr/>
+        <p:nvPr/>
+      </p:nvGrpSpPr>
+      <p:grpSpPr>
+        <a:xfrm>
+          <a:off x="0" y="0"/>
+          <a:ext cx="0" cy="0"/>
+          <a:chOff x="0" y="0"/>
+          <a:chExt cx="0" cy="0"/>
+        </a:xfrm>
+      </p:grpSpPr>
+      <p:sp>
+        <p:nvSpPr>
+          <p:cNvPr id="2" name="Tittel 1">
+            <a:extLst>
+              <a:ext uri="{FF2B5EF4-FFF2-40B4-BE49-F238E27FC236}">
                 <a16:creationId xmlns:a16="http://schemas.microsoft.com/office/drawing/2014/main" id="{C0965B37-4EA7-B067-696B-B129A9CE36DD}"/>
               </a:ext>
             </a:extLst>
@@ -4828,7 +5532,7 @@
             <a:pPr lvl="1"/>
             <a:r>
               <a:rPr lang="nb-NO" dirty="0"/>
-              <a:t>Se på katalogen: dotnet_lab1</a:t>
+              <a:t>Se på katalogen: dotnet_lab2</a:t>
             </a:r>
           </a:p>
           <a:p>
@@ -4874,7 +5578,23 @@
             <a:pPr lvl="2"/>
             <a:r>
               <a:rPr lang="nb-NO" dirty="0"/>
-              <a:t>Google for å finne en </a:t>
+              <a:t>Bruk </a:t>
+            </a:r>
+            <a:r>
+              <a:rPr lang="nb-NO" dirty="0" err="1"/>
+              <a:t>docker</a:t>
+            </a:r>
+            <a:r>
+              <a:rPr lang="nb-NO" dirty="0"/>
+              <a:t> </a:t>
+            </a:r>
+            <a:r>
+              <a:rPr lang="nb-NO" dirty="0" err="1"/>
+              <a:t>hub</a:t>
+            </a:r>
+            <a:r>
+              <a:rPr lang="nb-NO" dirty="0"/>
+              <a:t> for å finne en </a:t>
             </a:r>
             <a:r>
               <a:rPr lang="nb-NO" dirty="0" err="1"/>
@@ -4888,7 +5608,10 @@
               <a:rPr lang="nb-NO" dirty="0" err="1"/>
               <a:t>microsoft</a:t>
             </a:r>
-            <a:endParaRPr lang="nb-NO" dirty="0"/>
+            <a:r>
+              <a:rPr lang="nb-NO" dirty="0"/>
+              <a:t> .NET 7</a:t>
+            </a:r>
           </a:p>
           <a:p>
             <a:pPr lvl="2"/>
@@ -5000,7 +5723,7 @@
 </p:sld>
 </file>
 
-<file path=ppt/slides/slide13.xml><?xml version="1.0" encoding="utf-8"?>
+<file path=ppt/slides/slide16.xml><?xml version="1.0" encoding="utf-8"?>
 <p:sld xmlns:a="http://schemas.openxmlformats.org/drawingml/2006/main" xmlns:r="http://schemas.openxmlformats.org/officeDocument/2006/relationships" xmlns:p="http://schemas.openxmlformats.org/presentationml/2006/main">
   <p:cSld>
     <p:spTree>
@@ -5258,461 +5981,6 @@
 </p:sld>
 </file>
 
-<file path=ppt/slides/slide14.xml><?xml version="1.0" encoding="utf-8"?>
-<p:sld xmlns:a="http://schemas.openxmlformats.org/drawingml/2006/main" xmlns:r="http://schemas.openxmlformats.org/officeDocument/2006/relationships" xmlns:p="http://schemas.openxmlformats.org/presentationml/2006/main">
-  <p:cSld>
-    <p:spTree>
-      <p:nvGrpSpPr>
-        <p:cNvPr id="1" name=""/>
-        <p:cNvGrpSpPr/>
-        <p:nvPr/>
-      </p:nvGrpSpPr>
-      <p:grpSpPr>
-        <a:xfrm>
-          <a:off x="0" y="0"/>
-          <a:ext cx="0" cy="0"/>
-          <a:chOff x="0" y="0"/>
-          <a:chExt cx="0" cy="0"/>
-        </a:xfrm>
-      </p:grpSpPr>
-      <p:sp>
-        <p:nvSpPr>
-          <p:cNvPr id="2" name="Tittel 1">
-            <a:extLst>
-              <a:ext uri="{FF2B5EF4-FFF2-40B4-BE49-F238E27FC236}">
-                <a16:creationId xmlns:a16="http://schemas.microsoft.com/office/drawing/2014/main" id="{2581649C-78B8-FDF4-B738-D58EE5326E8F}"/>
-              </a:ext>
-            </a:extLst>
-          </p:cNvPr>
-          <p:cNvSpPr>
-            <a:spLocks noGrp="1"/>
-          </p:cNvSpPr>
-          <p:nvPr>
-            <p:ph type="title"/>
-          </p:nvPr>
-        </p:nvSpPr>
-        <p:spPr/>
-        <p:txBody>
-          <a:bodyPr/>
-          <a:lstStyle/>
-          <a:p>
-            <a:r>
-              <a:rPr lang="nb-NO"/>
-              <a:t>Porter</a:t>
-            </a:r>
-            <a:endParaRPr lang="nb-NO" dirty="0"/>
-          </a:p>
-        </p:txBody>
-      </p:sp>
-      <p:sp>
-        <p:nvSpPr>
-          <p:cNvPr id="3" name="Plassholder for innhold 2">
-            <a:extLst>
-              <a:ext uri="{FF2B5EF4-FFF2-40B4-BE49-F238E27FC236}">
-                <a16:creationId xmlns:a16="http://schemas.microsoft.com/office/drawing/2014/main" id="{B759EC7E-DD1B-0749-2178-5CF7D6C5B560}"/>
-              </a:ext>
-            </a:extLst>
-          </p:cNvPr>
-          <p:cNvSpPr>
-            <a:spLocks noGrp="1"/>
-          </p:cNvSpPr>
-          <p:nvPr>
-            <p:ph idx="1"/>
-          </p:nvPr>
-        </p:nvSpPr>
-        <p:spPr/>
-        <p:txBody>
-          <a:bodyPr/>
-          <a:lstStyle/>
-          <a:p>
-            <a:r>
-              <a:rPr lang="nb-NO"/>
-              <a:t>Porter</a:t>
-            </a:r>
-          </a:p>
-          <a:p>
-            <a:pPr lvl="1"/>
-            <a:r>
-              <a:rPr lang="nb-NO"/>
-              <a:t>Inni container</a:t>
-            </a:r>
-          </a:p>
-          <a:p>
-            <a:pPr lvl="1"/>
-            <a:r>
-              <a:rPr lang="nb-NO"/>
-              <a:t>Utenfor containeren</a:t>
-            </a:r>
-          </a:p>
-          <a:p>
-            <a:pPr lvl="1"/>
-            <a:r>
-              <a:rPr lang="nb-NO"/>
-              <a:t>De må mappes</a:t>
-            </a:r>
-          </a:p>
-          <a:p>
-            <a:pPr lvl="1"/>
-            <a:endParaRPr lang="nb-NO"/>
-          </a:p>
-          <a:p>
-            <a:r>
-              <a:rPr lang="nb-NO"/>
-              <a:t>Kobles </a:t>
-            </a:r>
-          </a:p>
-          <a:p>
-            <a:pPr lvl="1"/>
-            <a:r>
-              <a:rPr lang="nb-NO"/>
-              <a:t>Ikke i Dockerfile</a:t>
-            </a:r>
-          </a:p>
-          <a:p>
-            <a:pPr lvl="1"/>
-            <a:r>
-              <a:rPr lang="nb-NO"/>
-              <a:t>Bat file</a:t>
-            </a:r>
-          </a:p>
-          <a:p>
-            <a:pPr lvl="1"/>
-            <a:r>
-              <a:rPr lang="nb-NO"/>
-              <a:t>Docker-compose</a:t>
-            </a:r>
-            <a:endParaRPr lang="nb-NO" dirty="0"/>
-          </a:p>
-        </p:txBody>
-      </p:sp>
-    </p:spTree>
-    <p:extLst>
-      <p:ext uri="{BB962C8B-B14F-4D97-AF65-F5344CB8AC3E}">
-        <p14:creationId xmlns:p14="http://schemas.microsoft.com/office/powerpoint/2010/main" val="1683536656"/>
-      </p:ext>
-    </p:extLst>
-  </p:cSld>
-  <p:clrMapOvr>
-    <a:masterClrMapping/>
-  </p:clrMapOvr>
-</p:sld>
-</file>
-
-<file path=ppt/slides/slide15.xml><?xml version="1.0" encoding="utf-8"?>
-<p:sld xmlns:a="http://schemas.openxmlformats.org/drawingml/2006/main" xmlns:r="http://schemas.openxmlformats.org/officeDocument/2006/relationships" xmlns:p="http://schemas.openxmlformats.org/presentationml/2006/main">
-  <p:cSld>
-    <p:spTree>
-      <p:nvGrpSpPr>
-        <p:cNvPr id="1" name=""/>
-        <p:cNvGrpSpPr/>
-        <p:nvPr/>
-      </p:nvGrpSpPr>
-      <p:grpSpPr>
-        <a:xfrm>
-          <a:off x="0" y="0"/>
-          <a:ext cx="0" cy="0"/>
-          <a:chOff x="0" y="0"/>
-          <a:chExt cx="0" cy="0"/>
-        </a:xfrm>
-      </p:grpSpPr>
-      <p:sp>
-        <p:nvSpPr>
-          <p:cNvPr id="2" name="Tittel 1">
-            <a:extLst>
-              <a:ext uri="{FF2B5EF4-FFF2-40B4-BE49-F238E27FC236}">
-                <a16:creationId xmlns:a16="http://schemas.microsoft.com/office/drawing/2014/main" id="{E3FBC62B-9E25-EF68-07AA-8278A931751A}"/>
-              </a:ext>
-            </a:extLst>
-          </p:cNvPr>
-          <p:cNvSpPr>
-            <a:spLocks noGrp="1"/>
-          </p:cNvSpPr>
-          <p:nvPr>
-            <p:ph type="title"/>
-          </p:nvPr>
-        </p:nvSpPr>
-        <p:spPr/>
-        <p:txBody>
-          <a:bodyPr/>
-          <a:lstStyle/>
-          <a:p>
-            <a:r>
-              <a:rPr lang="nb-NO" dirty="0"/>
-              <a:t>Disk og Volumer</a:t>
-            </a:r>
-          </a:p>
-        </p:txBody>
-      </p:sp>
-      <p:sp>
-        <p:nvSpPr>
-          <p:cNvPr id="3" name="Plassholder for innhold 2">
-            <a:extLst>
-              <a:ext uri="{FF2B5EF4-FFF2-40B4-BE49-F238E27FC236}">
-                <a16:creationId xmlns:a16="http://schemas.microsoft.com/office/drawing/2014/main" id="{3840ADA3-64A2-D8DA-A08E-0C0B231ECB61}"/>
-              </a:ext>
-            </a:extLst>
-          </p:cNvPr>
-          <p:cNvSpPr>
-            <a:spLocks noGrp="1"/>
-          </p:cNvSpPr>
-          <p:nvPr>
-            <p:ph idx="1"/>
-          </p:nvPr>
-        </p:nvSpPr>
-        <p:spPr/>
-        <p:txBody>
-          <a:bodyPr/>
-          <a:lstStyle/>
-          <a:p>
-            <a:r>
-              <a:rPr lang="nb-NO" dirty="0"/>
-              <a:t>Tre alternativer</a:t>
-            </a:r>
-          </a:p>
-          <a:p>
-            <a:pPr lvl="1"/>
-            <a:r>
-              <a:rPr lang="nb-NO" dirty="0"/>
-              <a:t>Kopiere filer fra utsiden inn i containeren</a:t>
-            </a:r>
-          </a:p>
-          <a:p>
-            <a:pPr lvl="2"/>
-            <a:r>
-              <a:rPr lang="nb-NO" dirty="0"/>
-              <a:t>Når </a:t>
-            </a:r>
-            <a:r>
-              <a:rPr lang="nb-NO" dirty="0" err="1"/>
-              <a:t>docker</a:t>
-            </a:r>
-            <a:r>
-              <a:rPr lang="nb-NO" dirty="0"/>
-              <a:t> kun brukes til bygging </a:t>
-            </a:r>
-          </a:p>
-          <a:p>
-            <a:pPr lvl="2"/>
-            <a:r>
-              <a:rPr lang="nb-NO" dirty="0" err="1"/>
-              <a:t>Dockerfile</a:t>
-            </a:r>
-            <a:endParaRPr lang="nb-NO" dirty="0"/>
-          </a:p>
-          <a:p>
-            <a:pPr lvl="1"/>
-            <a:r>
-              <a:rPr lang="nb-NO" dirty="0"/>
-              <a:t>Kople folder fra utsiden inn i containeren</a:t>
-            </a:r>
-          </a:p>
-          <a:p>
-            <a:pPr lvl="2"/>
-            <a:r>
-              <a:rPr lang="nb-NO" dirty="0"/>
-              <a:t>Når </a:t>
-            </a:r>
-            <a:r>
-              <a:rPr lang="nb-NO" dirty="0" err="1"/>
-              <a:t>Docker</a:t>
-            </a:r>
-            <a:r>
-              <a:rPr lang="nb-NO" dirty="0"/>
-              <a:t> hoster utviklingsmiljøet</a:t>
-            </a:r>
-          </a:p>
-          <a:p>
-            <a:pPr lvl="2"/>
-            <a:r>
-              <a:rPr lang="nb-NO" dirty="0" err="1"/>
-              <a:t>Bat</a:t>
-            </a:r>
-            <a:r>
-              <a:rPr lang="nb-NO" dirty="0"/>
-              <a:t> eller </a:t>
-            </a:r>
-            <a:r>
-              <a:rPr lang="nb-NO" dirty="0" err="1"/>
-              <a:t>Docker-compose</a:t>
-            </a:r>
-            <a:endParaRPr lang="nb-NO" dirty="0"/>
-          </a:p>
-          <a:p>
-            <a:pPr lvl="1"/>
-            <a:r>
-              <a:rPr lang="nb-NO" dirty="0"/>
-              <a:t>Persistent </a:t>
-            </a:r>
-            <a:r>
-              <a:rPr lang="nb-NO" dirty="0" err="1"/>
-              <a:t>Docker</a:t>
-            </a:r>
-            <a:r>
-              <a:rPr lang="nb-NO" dirty="0"/>
-              <a:t> </a:t>
-            </a:r>
-            <a:r>
-              <a:rPr lang="nb-NO" dirty="0" err="1"/>
-              <a:t>volume</a:t>
-            </a:r>
-            <a:r>
-              <a:rPr lang="nb-NO" dirty="0"/>
-              <a:t> (tømmes ikke ved </a:t>
-            </a:r>
-            <a:r>
-              <a:rPr lang="nb-NO" dirty="0" err="1"/>
-              <a:t>restart</a:t>
-            </a:r>
-            <a:r>
-              <a:rPr lang="nb-NO" dirty="0"/>
-              <a:t> av containeren)</a:t>
-            </a:r>
-          </a:p>
-          <a:p>
-            <a:pPr lvl="2"/>
-            <a:r>
-              <a:rPr lang="nb-NO" dirty="0"/>
-              <a:t>Typisk bruk er DB</a:t>
-            </a:r>
-          </a:p>
-          <a:p>
-            <a:pPr lvl="2"/>
-            <a:r>
-              <a:rPr lang="nb-NO" dirty="0" err="1"/>
-              <a:t>Bat</a:t>
-            </a:r>
-            <a:r>
-              <a:rPr lang="nb-NO" dirty="0"/>
-              <a:t> eller </a:t>
-            </a:r>
-            <a:r>
-              <a:rPr lang="nb-NO" dirty="0" err="1"/>
-              <a:t>Docker-compose</a:t>
-            </a:r>
-            <a:endParaRPr lang="nb-NO" dirty="0"/>
-          </a:p>
-        </p:txBody>
-      </p:sp>
-    </p:spTree>
-    <p:extLst>
-      <p:ext uri="{BB962C8B-B14F-4D97-AF65-F5344CB8AC3E}">
-        <p14:creationId xmlns:p14="http://schemas.microsoft.com/office/powerpoint/2010/main" val="998557690"/>
-      </p:ext>
-    </p:extLst>
-  </p:cSld>
-  <p:clrMapOvr>
-    <a:masterClrMapping/>
-  </p:clrMapOvr>
-</p:sld>
-</file>
-
-<file path=ppt/slides/slide16.xml><?xml version="1.0" encoding="utf-8"?>
-<p:sld xmlns:a="http://schemas.openxmlformats.org/drawingml/2006/main" xmlns:r="http://schemas.openxmlformats.org/officeDocument/2006/relationships" xmlns:p="http://schemas.openxmlformats.org/presentationml/2006/main">
-  <p:cSld>
-    <p:spTree>
-      <p:nvGrpSpPr>
-        <p:cNvPr id="1" name=""/>
-        <p:cNvGrpSpPr/>
-        <p:nvPr/>
-      </p:nvGrpSpPr>
-      <p:grpSpPr>
-        <a:xfrm>
-          <a:off x="0" y="0"/>
-          <a:ext cx="0" cy="0"/>
-          <a:chOff x="0" y="0"/>
-          <a:chExt cx="0" cy="0"/>
-        </a:xfrm>
-      </p:grpSpPr>
-      <p:sp>
-        <p:nvSpPr>
-          <p:cNvPr id="2" name="Tittel 1">
-            <a:extLst>
-              <a:ext uri="{FF2B5EF4-FFF2-40B4-BE49-F238E27FC236}">
-                <a16:creationId xmlns:a16="http://schemas.microsoft.com/office/drawing/2014/main" id="{3A9A1CB0-FC27-66D8-833A-74E761EC52A4}"/>
-              </a:ext>
-            </a:extLst>
-          </p:cNvPr>
-          <p:cNvSpPr>
-            <a:spLocks noGrp="1"/>
-          </p:cNvSpPr>
-          <p:nvPr>
-            <p:ph type="title"/>
-          </p:nvPr>
-        </p:nvSpPr>
-        <p:spPr/>
-        <p:txBody>
-          <a:bodyPr/>
-          <a:lstStyle/>
-          <a:p>
-            <a:r>
-              <a:rPr lang="nb-NO" dirty="0" err="1"/>
-              <a:t>Docker</a:t>
-            </a:r>
-            <a:r>
-              <a:rPr lang="nb-NO" dirty="0"/>
-              <a:t> kommandolinje</a:t>
-            </a:r>
-          </a:p>
-        </p:txBody>
-      </p:sp>
-      <p:sp>
-        <p:nvSpPr>
-          <p:cNvPr id="3" name="Plassholder for innhold 2">
-            <a:extLst>
-              <a:ext uri="{FF2B5EF4-FFF2-40B4-BE49-F238E27FC236}">
-                <a16:creationId xmlns:a16="http://schemas.microsoft.com/office/drawing/2014/main" id="{F5CC8D9A-F8C5-0264-B683-B8AE56F70EE8}"/>
-              </a:ext>
-            </a:extLst>
-          </p:cNvPr>
-          <p:cNvSpPr>
-            <a:spLocks noGrp="1"/>
-          </p:cNvSpPr>
-          <p:nvPr>
-            <p:ph idx="1"/>
-          </p:nvPr>
-        </p:nvSpPr>
-        <p:spPr/>
-        <p:txBody>
-          <a:bodyPr/>
-          <a:lstStyle/>
-          <a:p>
-            <a:r>
-              <a:rPr lang="nb-NO" dirty="0"/>
-              <a:t>Du kan kjøre </a:t>
-            </a:r>
-            <a:r>
-              <a:rPr lang="nb-NO" dirty="0" err="1"/>
-              <a:t>docker</a:t>
-            </a:r>
-            <a:r>
-              <a:rPr lang="nb-NO" dirty="0"/>
-              <a:t> fra kommandolinje istedenfor </a:t>
-            </a:r>
-            <a:r>
-              <a:rPr lang="nb-NO" dirty="0" err="1"/>
-              <a:t>compose</a:t>
-            </a:r>
-            <a:endParaRPr lang="nb-NO" dirty="0"/>
-          </a:p>
-          <a:p>
-            <a:pPr lvl="1"/>
-            <a:endParaRPr lang="nb-NO" dirty="0"/>
-          </a:p>
-        </p:txBody>
-      </p:sp>
-    </p:spTree>
-    <p:extLst>
-      <p:ext uri="{BB962C8B-B14F-4D97-AF65-F5344CB8AC3E}">
-        <p14:creationId xmlns:p14="http://schemas.microsoft.com/office/powerpoint/2010/main" val="441575030"/>
-      </p:ext>
-    </p:extLst>
-  </p:cSld>
-  <p:clrMapOvr>
-    <a:masterClrMapping/>
-  </p:clrMapOvr>
-</p:sld>
-</file>
-
 <file path=ppt/slides/slide17.xml><?xml version="1.0" encoding="utf-8"?>
 <p:sld xmlns:a="http://schemas.openxmlformats.org/drawingml/2006/main" xmlns:r="http://schemas.openxmlformats.org/officeDocument/2006/relationships" xmlns:p="http://schemas.openxmlformats.org/presentationml/2006/main">
   <p:cSld>
@@ -5735,7 +6003,7 @@
           <p:cNvPr id="2" name="Tittel 1">
             <a:extLst>
               <a:ext uri="{FF2B5EF4-FFF2-40B4-BE49-F238E27FC236}">
-                <a16:creationId xmlns:a16="http://schemas.microsoft.com/office/drawing/2014/main" id="{64ABFB77-3F6C-E791-40C1-1463B5627425}"/>
+                <a16:creationId xmlns:a16="http://schemas.microsoft.com/office/drawing/2014/main" id="{2581649C-78B8-FDF4-B738-D58EE5326E8F}"/>
               </a:ext>
             </a:extLst>
           </p:cNvPr>
@@ -5752,12 +6020,8 @@
           <a:lstStyle/>
           <a:p>
             <a:r>
-              <a:rPr lang="nb-NO" dirty="0"/>
-              <a:t>Hvor brukes </a:t>
-            </a:r>
-            <a:r>
-              <a:rPr lang="nb-NO" dirty="0" err="1"/>
-              <a:t>docker</a:t>
+              <a:rPr lang="nb-NO"/>
+              <a:t>Porter</a:t>
             </a:r>
             <a:endParaRPr lang="nb-NO" dirty="0"/>
           </a:p>
@@ -5768,7 +6032,7 @@
           <p:cNvPr id="3" name="Plassholder for innhold 2">
             <a:extLst>
               <a:ext uri="{FF2B5EF4-FFF2-40B4-BE49-F238E27FC236}">
-                <a16:creationId xmlns:a16="http://schemas.microsoft.com/office/drawing/2014/main" id="{7184CB9B-CBE6-0AAF-014A-9F4AB0BD2055}"/>
+                <a16:creationId xmlns:a16="http://schemas.microsoft.com/office/drawing/2014/main" id="{B759EC7E-DD1B-0749-2178-5CF7D6C5B560}"/>
               </a:ext>
             </a:extLst>
           </p:cNvPr>
@@ -5785,97 +6049,61 @@
           <a:lstStyle/>
           <a:p>
             <a:r>
-              <a:rPr lang="nb-NO" dirty="0"/>
-              <a:t>Azure</a:t>
+              <a:rPr lang="nb-NO"/>
+              <a:t>Porter</a:t>
             </a:r>
           </a:p>
           <a:p>
             <a:pPr lvl="1"/>
             <a:r>
-              <a:rPr lang="nb-NO" dirty="0"/>
-              <a:t>Når man velger Linux som miljø for </a:t>
-            </a:r>
-            <a:r>
-              <a:rPr lang="nb-NO" dirty="0" err="1"/>
-              <a:t>webapp</a:t>
-            </a:r>
-            <a:endParaRPr lang="nb-NO" dirty="0"/>
+              <a:rPr lang="nb-NO"/>
+              <a:t>Inni container</a:t>
+            </a:r>
           </a:p>
           <a:p>
             <a:pPr lvl="1"/>
             <a:r>
-              <a:rPr lang="nb-NO" dirty="0"/>
-              <a:t>Azure </a:t>
-            </a:r>
-            <a:r>
-              <a:rPr lang="nb-NO" dirty="0" err="1"/>
-              <a:t>functions</a:t>
-            </a:r>
-            <a:endParaRPr lang="nb-NO" dirty="0"/>
+              <a:rPr lang="nb-NO"/>
+              <a:t>Utenfor containeren</a:t>
+            </a:r>
           </a:p>
           <a:p>
             <a:pPr lvl="1"/>
             <a:r>
-              <a:rPr lang="nb-NO" dirty="0"/>
-              <a:t>Sannsynligvis det meste </a:t>
-            </a:r>
-            <a:r>
-              <a:rPr lang="nb-NO" dirty="0" err="1"/>
-              <a:t>untatt</a:t>
-            </a:r>
-            <a:r>
-              <a:rPr lang="nb-NO" dirty="0"/>
-              <a:t> virtuell maskin</a:t>
-            </a:r>
-          </a:p>
-          <a:p>
-            <a:r>
-              <a:rPr lang="nb-NO" dirty="0"/>
-              <a:t>AWS</a:t>
+              <a:rPr lang="nb-NO"/>
+              <a:t>De må mappes</a:t>
             </a:r>
           </a:p>
           <a:p>
             <a:pPr lvl="1"/>
-            <a:r>
-              <a:rPr lang="nb-NO" dirty="0"/>
-              <a:t>Tilsvarende som Azure</a:t>
+            <a:endParaRPr lang="nb-NO"/>
+          </a:p>
+          <a:p>
+            <a:r>
+              <a:rPr lang="nb-NO"/>
+              <a:t>Kobles </a:t>
             </a:r>
           </a:p>
           <a:p>
             <a:pPr lvl="1"/>
             <a:r>
-              <a:rPr lang="nb-NO" dirty="0"/>
-              <a:t>Container som tar opp nesten komplett AWS på lokal maskin</a:t>
-            </a:r>
-          </a:p>
-          <a:p>
-            <a:r>
-              <a:rPr lang="nb-NO" dirty="0"/>
-              <a:t>Lokal maskin</a:t>
+              <a:rPr lang="nb-NO"/>
+              <a:t>Ikke i Dockerfile</a:t>
             </a:r>
           </a:p>
           <a:p>
             <a:pPr lvl="1"/>
             <a:r>
-              <a:rPr lang="nb-NO" dirty="0"/>
-              <a:t>Hoste utviklingsmiljø</a:t>
+              <a:rPr lang="nb-NO"/>
+              <a:t>Bat file</a:t>
             </a:r>
           </a:p>
           <a:p>
             <a:pPr lvl="1"/>
             <a:r>
-              <a:rPr lang="nb-NO" dirty="0" err="1"/>
-              <a:t>Replikere</a:t>
-            </a:r>
-            <a:r>
-              <a:rPr lang="nb-NO" dirty="0"/>
-              <a:t> </a:t>
-            </a:r>
-          </a:p>
-          <a:p>
-            <a:pPr marL="457200" lvl="1" indent="0">
-              <a:buNone/>
-            </a:pPr>
+              <a:rPr lang="nb-NO"/>
+              <a:t>Docker-compose</a:t>
+            </a:r>
             <a:endParaRPr lang="nb-NO" dirty="0"/>
           </a:p>
         </p:txBody>
@@ -5883,7 +6111,7 @@
     </p:spTree>
     <p:extLst>
       <p:ext uri="{BB962C8B-B14F-4D97-AF65-F5344CB8AC3E}">
-        <p14:creationId xmlns:p14="http://schemas.microsoft.com/office/powerpoint/2010/main" val="3870016799"/>
+        <p14:creationId xmlns:p14="http://schemas.microsoft.com/office/powerpoint/2010/main" val="1683536656"/>
       </p:ext>
     </p:extLst>
   </p:cSld>
@@ -5915,6 +6143,946 @@
           <p:cNvPr id="2" name="Tittel 1">
             <a:extLst>
               <a:ext uri="{FF2B5EF4-FFF2-40B4-BE49-F238E27FC236}">
+                <a16:creationId xmlns:a16="http://schemas.microsoft.com/office/drawing/2014/main" id="{E3FBC62B-9E25-EF68-07AA-8278A931751A}"/>
+              </a:ext>
+            </a:extLst>
+          </p:cNvPr>
+          <p:cNvSpPr>
+            <a:spLocks noGrp="1"/>
+          </p:cNvSpPr>
+          <p:nvPr>
+            <p:ph type="title"/>
+          </p:nvPr>
+        </p:nvSpPr>
+        <p:spPr/>
+        <p:txBody>
+          <a:bodyPr/>
+          <a:lstStyle/>
+          <a:p>
+            <a:r>
+              <a:rPr lang="nb-NO" dirty="0"/>
+              <a:t>Disk og Volumer</a:t>
+            </a:r>
+          </a:p>
+        </p:txBody>
+      </p:sp>
+      <p:sp>
+        <p:nvSpPr>
+          <p:cNvPr id="3" name="Plassholder for innhold 2">
+            <a:extLst>
+              <a:ext uri="{FF2B5EF4-FFF2-40B4-BE49-F238E27FC236}">
+                <a16:creationId xmlns:a16="http://schemas.microsoft.com/office/drawing/2014/main" id="{3840ADA3-64A2-D8DA-A08E-0C0B231ECB61}"/>
+              </a:ext>
+            </a:extLst>
+          </p:cNvPr>
+          <p:cNvSpPr>
+            <a:spLocks noGrp="1"/>
+          </p:cNvSpPr>
+          <p:nvPr>
+            <p:ph idx="1"/>
+          </p:nvPr>
+        </p:nvSpPr>
+        <p:spPr/>
+        <p:txBody>
+          <a:bodyPr/>
+          <a:lstStyle/>
+          <a:p>
+            <a:r>
+              <a:rPr lang="nb-NO" dirty="0"/>
+              <a:t>Tre alternativer</a:t>
+            </a:r>
+          </a:p>
+          <a:p>
+            <a:pPr lvl="1"/>
+            <a:r>
+              <a:rPr lang="nb-NO" dirty="0"/>
+              <a:t>Kopiere filer fra utsiden inn i containeren</a:t>
+            </a:r>
+          </a:p>
+          <a:p>
+            <a:pPr lvl="2"/>
+            <a:r>
+              <a:rPr lang="nb-NO" dirty="0"/>
+              <a:t>Når </a:t>
+            </a:r>
+            <a:r>
+              <a:rPr lang="nb-NO" dirty="0" err="1"/>
+              <a:t>docker</a:t>
+            </a:r>
+            <a:r>
+              <a:rPr lang="nb-NO" dirty="0"/>
+              <a:t> kun brukes til bygging </a:t>
+            </a:r>
+          </a:p>
+          <a:p>
+            <a:pPr lvl="2"/>
+            <a:r>
+              <a:rPr lang="nb-NO" dirty="0" err="1"/>
+              <a:t>Dockerfile</a:t>
+            </a:r>
+            <a:endParaRPr lang="nb-NO" dirty="0"/>
+          </a:p>
+          <a:p>
+            <a:pPr lvl="1"/>
+            <a:r>
+              <a:rPr lang="nb-NO" dirty="0"/>
+              <a:t>Kople folder fra utsiden inn i containeren</a:t>
+            </a:r>
+          </a:p>
+          <a:p>
+            <a:pPr lvl="2"/>
+            <a:r>
+              <a:rPr lang="nb-NO" dirty="0"/>
+              <a:t>Når </a:t>
+            </a:r>
+            <a:r>
+              <a:rPr lang="nb-NO" dirty="0" err="1"/>
+              <a:t>Docker</a:t>
+            </a:r>
+            <a:r>
+              <a:rPr lang="nb-NO" dirty="0"/>
+              <a:t> hoster utviklingsmiljøet</a:t>
+            </a:r>
+          </a:p>
+          <a:p>
+            <a:pPr lvl="2"/>
+            <a:r>
+              <a:rPr lang="nb-NO" dirty="0" err="1"/>
+              <a:t>Bat</a:t>
+            </a:r>
+            <a:r>
+              <a:rPr lang="nb-NO" dirty="0"/>
+              <a:t> eller </a:t>
+            </a:r>
+            <a:r>
+              <a:rPr lang="nb-NO" dirty="0" err="1"/>
+              <a:t>Docker-compose</a:t>
+            </a:r>
+            <a:endParaRPr lang="nb-NO" dirty="0"/>
+          </a:p>
+          <a:p>
+            <a:pPr lvl="1"/>
+            <a:r>
+              <a:rPr lang="nb-NO" dirty="0"/>
+              <a:t>Persistent </a:t>
+            </a:r>
+            <a:r>
+              <a:rPr lang="nb-NO" dirty="0" err="1"/>
+              <a:t>Docker</a:t>
+            </a:r>
+            <a:r>
+              <a:rPr lang="nb-NO" dirty="0"/>
+              <a:t> </a:t>
+            </a:r>
+            <a:r>
+              <a:rPr lang="nb-NO" dirty="0" err="1"/>
+              <a:t>volume</a:t>
+            </a:r>
+            <a:r>
+              <a:rPr lang="nb-NO" dirty="0"/>
+              <a:t> (tømmes ikke ved </a:t>
+            </a:r>
+            <a:r>
+              <a:rPr lang="nb-NO" dirty="0" err="1"/>
+              <a:t>restart</a:t>
+            </a:r>
+            <a:r>
+              <a:rPr lang="nb-NO" dirty="0"/>
+              <a:t> av containeren)</a:t>
+            </a:r>
+          </a:p>
+          <a:p>
+            <a:pPr lvl="2"/>
+            <a:r>
+              <a:rPr lang="nb-NO" dirty="0"/>
+              <a:t>Typisk bruk er DB</a:t>
+            </a:r>
+          </a:p>
+          <a:p>
+            <a:pPr lvl="2"/>
+            <a:r>
+              <a:rPr lang="nb-NO" dirty="0" err="1"/>
+              <a:t>Bat</a:t>
+            </a:r>
+            <a:r>
+              <a:rPr lang="nb-NO" dirty="0"/>
+              <a:t> eller </a:t>
+            </a:r>
+            <a:r>
+              <a:rPr lang="nb-NO" dirty="0" err="1"/>
+              <a:t>Docker-compose</a:t>
+            </a:r>
+            <a:endParaRPr lang="nb-NO" dirty="0"/>
+          </a:p>
+        </p:txBody>
+      </p:sp>
+    </p:spTree>
+    <p:extLst>
+      <p:ext uri="{BB962C8B-B14F-4D97-AF65-F5344CB8AC3E}">
+        <p14:creationId xmlns:p14="http://schemas.microsoft.com/office/powerpoint/2010/main" val="998557690"/>
+      </p:ext>
+    </p:extLst>
+  </p:cSld>
+  <p:clrMapOvr>
+    <a:masterClrMapping/>
+  </p:clrMapOvr>
+</p:sld>
+</file>
+
+<file path=ppt/slides/slide19.xml><?xml version="1.0" encoding="utf-8"?>
+<p:sld xmlns:a="http://schemas.openxmlformats.org/drawingml/2006/main" xmlns:r="http://schemas.openxmlformats.org/officeDocument/2006/relationships" xmlns:p="http://schemas.openxmlformats.org/presentationml/2006/main">
+  <p:cSld>
+    <p:spTree>
+      <p:nvGrpSpPr>
+        <p:cNvPr id="1" name=""/>
+        <p:cNvGrpSpPr/>
+        <p:nvPr/>
+      </p:nvGrpSpPr>
+      <p:grpSpPr>
+        <a:xfrm>
+          <a:off x="0" y="0"/>
+          <a:ext cx="0" cy="0"/>
+          <a:chOff x="0" y="0"/>
+          <a:chExt cx="0" cy="0"/>
+        </a:xfrm>
+      </p:grpSpPr>
+      <p:sp>
+        <p:nvSpPr>
+          <p:cNvPr id="2" name="Tittel 1">
+            <a:extLst>
+              <a:ext uri="{FF2B5EF4-FFF2-40B4-BE49-F238E27FC236}">
+                <a16:creationId xmlns:a16="http://schemas.microsoft.com/office/drawing/2014/main" id="{3A9A1CB0-FC27-66D8-833A-74E761EC52A4}"/>
+              </a:ext>
+            </a:extLst>
+          </p:cNvPr>
+          <p:cNvSpPr>
+            <a:spLocks noGrp="1"/>
+          </p:cNvSpPr>
+          <p:nvPr>
+            <p:ph type="title"/>
+          </p:nvPr>
+        </p:nvSpPr>
+        <p:spPr/>
+        <p:txBody>
+          <a:bodyPr/>
+          <a:lstStyle/>
+          <a:p>
+            <a:r>
+              <a:rPr lang="nb-NO" dirty="0" err="1"/>
+              <a:t>Docker</a:t>
+            </a:r>
+            <a:r>
+              <a:rPr lang="nb-NO" dirty="0"/>
+              <a:t> GUI</a:t>
+            </a:r>
+          </a:p>
+        </p:txBody>
+      </p:sp>
+      <p:sp>
+        <p:nvSpPr>
+          <p:cNvPr id="3" name="Plassholder for innhold 2">
+            <a:extLst>
+              <a:ext uri="{FF2B5EF4-FFF2-40B4-BE49-F238E27FC236}">
+                <a16:creationId xmlns:a16="http://schemas.microsoft.com/office/drawing/2014/main" id="{F5CC8D9A-F8C5-0264-B683-B8AE56F70EE8}"/>
+              </a:ext>
+            </a:extLst>
+          </p:cNvPr>
+          <p:cNvSpPr>
+            <a:spLocks noGrp="1"/>
+          </p:cNvSpPr>
+          <p:nvPr>
+            <p:ph idx="1"/>
+          </p:nvPr>
+        </p:nvSpPr>
+        <p:spPr/>
+        <p:txBody>
+          <a:bodyPr/>
+          <a:lstStyle/>
+          <a:p>
+            <a:r>
+              <a:rPr lang="nb-NO" dirty="0"/>
+              <a:t>La oss ta en titt på GUI</a:t>
+            </a:r>
+          </a:p>
+          <a:p>
+            <a:r>
+              <a:rPr lang="nb-NO" dirty="0"/>
+              <a:t>Hva kan vi gjøre der?</a:t>
+            </a:r>
+          </a:p>
+          <a:p>
+            <a:pPr lvl="1"/>
+            <a:r>
+              <a:rPr lang="nb-NO" dirty="0">
+                <a:solidFill>
+                  <a:schemeClr val="accent1"/>
+                </a:solidFill>
+              </a:rPr>
+              <a:t>Container</a:t>
+            </a:r>
+          </a:p>
+          <a:p>
+            <a:pPr lvl="1"/>
+            <a:r>
+              <a:rPr lang="nb-NO" dirty="0">
+                <a:solidFill>
+                  <a:schemeClr val="accent1"/>
+                </a:solidFill>
+              </a:rPr>
+              <a:t>Image</a:t>
+            </a:r>
+          </a:p>
+          <a:p>
+            <a:pPr lvl="1"/>
+            <a:r>
+              <a:rPr lang="nb-NO" dirty="0">
+                <a:solidFill>
+                  <a:schemeClr val="accent1"/>
+                </a:solidFill>
+              </a:rPr>
+              <a:t>Volume</a:t>
+            </a:r>
+          </a:p>
+          <a:p>
+            <a:pPr lvl="1"/>
+            <a:r>
+              <a:rPr lang="nb-NO" dirty="0"/>
+              <a:t>Hva er de? Hva er forskjellen?</a:t>
+            </a:r>
+          </a:p>
+          <a:p>
+            <a:r>
+              <a:rPr lang="nb-NO" dirty="0"/>
+              <a:t>Slette/Rydde?</a:t>
+            </a:r>
+          </a:p>
+          <a:p>
+            <a:r>
+              <a:rPr lang="nb-NO" dirty="0"/>
+              <a:t>Starte/Stoppe</a:t>
+            </a:r>
+          </a:p>
+        </p:txBody>
+      </p:sp>
+    </p:spTree>
+    <p:extLst>
+      <p:ext uri="{BB962C8B-B14F-4D97-AF65-F5344CB8AC3E}">
+        <p14:creationId xmlns:p14="http://schemas.microsoft.com/office/powerpoint/2010/main" val="441575030"/>
+      </p:ext>
+    </p:extLst>
+  </p:cSld>
+  <p:clrMapOvr>
+    <a:masterClrMapping/>
+  </p:clrMapOvr>
+</p:sld>
+</file>
+
+<file path=ppt/slides/slide2.xml><?xml version="1.0" encoding="utf-8"?>
+<p:sld xmlns:a="http://schemas.openxmlformats.org/drawingml/2006/main" xmlns:r="http://schemas.openxmlformats.org/officeDocument/2006/relationships" xmlns:p="http://schemas.openxmlformats.org/presentationml/2006/main">
+  <p:cSld>
+    <p:spTree>
+      <p:nvGrpSpPr>
+        <p:cNvPr id="1" name=""/>
+        <p:cNvGrpSpPr/>
+        <p:nvPr/>
+      </p:nvGrpSpPr>
+      <p:grpSpPr>
+        <a:xfrm>
+          <a:off x="0" y="0"/>
+          <a:ext cx="0" cy="0"/>
+          <a:chOff x="0" y="0"/>
+          <a:chExt cx="0" cy="0"/>
+        </a:xfrm>
+      </p:grpSpPr>
+      <p:sp>
+        <p:nvSpPr>
+          <p:cNvPr id="2" name="Tittel 1">
+            <a:extLst>
+              <a:ext uri="{FF2B5EF4-FFF2-40B4-BE49-F238E27FC236}">
+                <a16:creationId xmlns:a16="http://schemas.microsoft.com/office/drawing/2014/main" id="{6424C58F-AE15-E958-FD09-3871C08E5411}"/>
+              </a:ext>
+            </a:extLst>
+          </p:cNvPr>
+          <p:cNvSpPr>
+            <a:spLocks noGrp="1"/>
+          </p:cNvSpPr>
+          <p:nvPr>
+            <p:ph type="title"/>
+          </p:nvPr>
+        </p:nvSpPr>
+        <p:spPr/>
+        <p:txBody>
+          <a:bodyPr/>
+          <a:lstStyle/>
+          <a:p>
+            <a:r>
+              <a:rPr lang="nb-NO" dirty="0"/>
+              <a:t>Vi forutsetter at du har installert</a:t>
+            </a:r>
+          </a:p>
+        </p:txBody>
+      </p:sp>
+      <p:sp>
+        <p:nvSpPr>
+          <p:cNvPr id="3" name="Plassholder for innhold 2">
+            <a:extLst>
+              <a:ext uri="{FF2B5EF4-FFF2-40B4-BE49-F238E27FC236}">
+                <a16:creationId xmlns:a16="http://schemas.microsoft.com/office/drawing/2014/main" id="{99F8842D-29FB-EE3E-A4F9-3B604D7F7E5B}"/>
+              </a:ext>
+            </a:extLst>
+          </p:cNvPr>
+          <p:cNvSpPr>
+            <a:spLocks noGrp="1"/>
+          </p:cNvSpPr>
+          <p:nvPr>
+            <p:ph idx="1"/>
+          </p:nvPr>
+        </p:nvSpPr>
+        <p:spPr/>
+        <p:txBody>
+          <a:bodyPr/>
+          <a:lstStyle/>
+          <a:p>
+            <a:r>
+              <a:rPr lang="nb-NO" dirty="0"/>
+              <a:t>GIT</a:t>
+            </a:r>
+          </a:p>
+          <a:p>
+            <a:r>
+              <a:rPr lang="nb-NO" dirty="0" err="1"/>
+              <a:t>Docker</a:t>
+            </a:r>
+            <a:r>
+              <a:rPr lang="nb-NO" dirty="0"/>
+              <a:t> Desktop </a:t>
+            </a:r>
+          </a:p>
+          <a:p>
+            <a:r>
+              <a:rPr lang="nb-NO" dirty="0"/>
+              <a:t>VS Studio Code med </a:t>
+            </a:r>
+            <a:r>
+              <a:rPr lang="nb-NO" dirty="0" err="1"/>
+              <a:t>Addins</a:t>
+            </a:r>
+            <a:r>
+              <a:rPr lang="nb-NO" dirty="0"/>
+              <a:t>:</a:t>
+            </a:r>
+          </a:p>
+        </p:txBody>
+      </p:sp>
+      <p:pic>
+        <p:nvPicPr>
+          <p:cNvPr id="4" name="Bilde 3">
+            <a:extLst>
+              <a:ext uri="{FF2B5EF4-FFF2-40B4-BE49-F238E27FC236}">
+                <a16:creationId xmlns:a16="http://schemas.microsoft.com/office/drawing/2014/main" id="{9232B904-A58D-5980-FDB8-AC849832A619}"/>
+              </a:ext>
+            </a:extLst>
+          </p:cNvPr>
+          <p:cNvPicPr>
+            <a:picLocks noChangeAspect="1"/>
+          </p:cNvPicPr>
+          <p:nvPr/>
+        </p:nvPicPr>
+        <p:blipFill>
+          <a:blip r:embed="rId2"/>
+          <a:stretch>
+            <a:fillRect/>
+          </a:stretch>
+        </p:blipFill>
+        <p:spPr>
+          <a:xfrm>
+            <a:off x="5910638" y="5050842"/>
+            <a:ext cx="6281362" cy="1514005"/>
+          </a:xfrm>
+          <a:prstGeom prst="rect">
+            <a:avLst/>
+          </a:prstGeom>
+        </p:spPr>
+      </p:pic>
+      <p:pic>
+        <p:nvPicPr>
+          <p:cNvPr id="5" name="Bilde 4">
+            <a:extLst>
+              <a:ext uri="{FF2B5EF4-FFF2-40B4-BE49-F238E27FC236}">
+                <a16:creationId xmlns:a16="http://schemas.microsoft.com/office/drawing/2014/main" id="{E8D2441B-5EC9-BC7F-881E-89165CF896E7}"/>
+              </a:ext>
+            </a:extLst>
+          </p:cNvPr>
+          <p:cNvPicPr>
+            <a:picLocks noChangeAspect="1"/>
+          </p:cNvPicPr>
+          <p:nvPr/>
+        </p:nvPicPr>
+        <p:blipFill>
+          <a:blip r:embed="rId3"/>
+          <a:stretch>
+            <a:fillRect/>
+          </a:stretch>
+        </p:blipFill>
+        <p:spPr>
+          <a:xfrm>
+            <a:off x="5910638" y="3469370"/>
+            <a:ext cx="6085702" cy="1514004"/>
+          </a:xfrm>
+          <a:prstGeom prst="rect">
+            <a:avLst/>
+          </a:prstGeom>
+        </p:spPr>
+      </p:pic>
+      <p:pic>
+        <p:nvPicPr>
+          <p:cNvPr id="6" name="Bilde 5">
+            <a:extLst>
+              <a:ext uri="{FF2B5EF4-FFF2-40B4-BE49-F238E27FC236}">
+                <a16:creationId xmlns:a16="http://schemas.microsoft.com/office/drawing/2014/main" id="{56C3583C-9629-C4BC-23A4-9E4978BFDD19}"/>
+              </a:ext>
+            </a:extLst>
+          </p:cNvPr>
+          <p:cNvPicPr>
+            <a:picLocks noChangeAspect="1"/>
+          </p:cNvPicPr>
+          <p:nvPr/>
+        </p:nvPicPr>
+        <p:blipFill>
+          <a:blip r:embed="rId4"/>
+          <a:stretch>
+            <a:fillRect/>
+          </a:stretch>
+        </p:blipFill>
+        <p:spPr>
+          <a:xfrm>
+            <a:off x="6017741" y="1418955"/>
+            <a:ext cx="4790302" cy="1477052"/>
+          </a:xfrm>
+          <a:prstGeom prst="rect">
+            <a:avLst/>
+          </a:prstGeom>
+        </p:spPr>
+      </p:pic>
+      <p:pic>
+        <p:nvPicPr>
+          <p:cNvPr id="7" name="Bilde 6">
+            <a:extLst>
+              <a:ext uri="{FF2B5EF4-FFF2-40B4-BE49-F238E27FC236}">
+                <a16:creationId xmlns:a16="http://schemas.microsoft.com/office/drawing/2014/main" id="{1A8544D1-1390-5BE7-E97F-7E510FADBBAE}"/>
+              </a:ext>
+            </a:extLst>
+          </p:cNvPr>
+          <p:cNvPicPr>
+            <a:picLocks noChangeAspect="1"/>
+          </p:cNvPicPr>
+          <p:nvPr/>
+        </p:nvPicPr>
+        <p:blipFill>
+          <a:blip r:embed="rId5"/>
+          <a:stretch>
+            <a:fillRect/>
+          </a:stretch>
+        </p:blipFill>
+        <p:spPr>
+          <a:xfrm>
+            <a:off x="2779240" y="3422562"/>
+            <a:ext cx="2624782" cy="3015134"/>
+          </a:xfrm>
+          <a:prstGeom prst="rect">
+            <a:avLst/>
+          </a:prstGeom>
+        </p:spPr>
+      </p:pic>
+    </p:spTree>
+    <p:extLst>
+      <p:ext uri="{BB962C8B-B14F-4D97-AF65-F5344CB8AC3E}">
+        <p14:creationId xmlns:p14="http://schemas.microsoft.com/office/powerpoint/2010/main" val="1341283554"/>
+      </p:ext>
+    </p:extLst>
+  </p:cSld>
+  <p:clrMapOvr>
+    <a:masterClrMapping/>
+  </p:clrMapOvr>
+</p:sld>
+</file>
+
+<file path=ppt/slides/slide20.xml><?xml version="1.0" encoding="utf-8"?>
+<p:sld xmlns:a="http://schemas.openxmlformats.org/drawingml/2006/main" xmlns:r="http://schemas.openxmlformats.org/officeDocument/2006/relationships" xmlns:p="http://schemas.openxmlformats.org/presentationml/2006/main">
+  <p:cSld>
+    <p:spTree>
+      <p:nvGrpSpPr>
+        <p:cNvPr id="1" name=""/>
+        <p:cNvGrpSpPr/>
+        <p:nvPr/>
+      </p:nvGrpSpPr>
+      <p:grpSpPr>
+        <a:xfrm>
+          <a:off x="0" y="0"/>
+          <a:ext cx="0" cy="0"/>
+          <a:chOff x="0" y="0"/>
+          <a:chExt cx="0" cy="0"/>
+        </a:xfrm>
+      </p:grpSpPr>
+      <p:sp>
+        <p:nvSpPr>
+          <p:cNvPr id="2" name="Tittel 1">
+            <a:extLst>
+              <a:ext uri="{FF2B5EF4-FFF2-40B4-BE49-F238E27FC236}">
+                <a16:creationId xmlns:a16="http://schemas.microsoft.com/office/drawing/2014/main" id="{AF227DDD-1356-8F0C-1AE0-96DED1B96C7F}"/>
+              </a:ext>
+            </a:extLst>
+          </p:cNvPr>
+          <p:cNvSpPr>
+            <a:spLocks noGrp="1"/>
+          </p:cNvSpPr>
+          <p:nvPr>
+            <p:ph type="title"/>
+          </p:nvPr>
+        </p:nvSpPr>
+        <p:spPr/>
+        <p:txBody>
+          <a:bodyPr/>
+          <a:lstStyle/>
+          <a:p>
+            <a:r>
+              <a:rPr lang="nb-NO" dirty="0"/>
+              <a:t>La oss ta en titt på .</a:t>
+            </a:r>
+            <a:r>
+              <a:rPr lang="nb-NO" dirty="0" err="1"/>
+              <a:t>vscode</a:t>
+            </a:r>
+            <a:r>
+              <a:rPr lang="nb-NO" dirty="0"/>
+              <a:t> katalogen</a:t>
+            </a:r>
+          </a:p>
+        </p:txBody>
+      </p:sp>
+      <p:sp>
+        <p:nvSpPr>
+          <p:cNvPr id="3" name="Plassholder for innhold 2">
+            <a:extLst>
+              <a:ext uri="{FF2B5EF4-FFF2-40B4-BE49-F238E27FC236}">
+                <a16:creationId xmlns:a16="http://schemas.microsoft.com/office/drawing/2014/main" id="{5250ADDC-4157-4B29-8899-3F806B0E24D0}"/>
+              </a:ext>
+            </a:extLst>
+          </p:cNvPr>
+          <p:cNvSpPr>
+            <a:spLocks noGrp="1"/>
+          </p:cNvSpPr>
+          <p:nvPr>
+            <p:ph idx="1"/>
+          </p:nvPr>
+        </p:nvSpPr>
+        <p:spPr/>
+        <p:txBody>
+          <a:bodyPr/>
+          <a:lstStyle/>
+          <a:p>
+            <a:r>
+              <a:rPr lang="nb-NO" dirty="0"/>
+              <a:t>Se i </a:t>
+            </a:r>
+            <a:r>
+              <a:rPr lang="nb-NO" dirty="0" err="1"/>
+              <a:t>Csharp</a:t>
+            </a:r>
+            <a:r>
+              <a:rPr lang="nb-NO" dirty="0"/>
+              <a:t> templaten</a:t>
+            </a:r>
+          </a:p>
+          <a:p>
+            <a:r>
+              <a:rPr lang="nb-NO" dirty="0"/>
+              <a:t>Tre viktige filer</a:t>
+            </a:r>
+          </a:p>
+          <a:p>
+            <a:pPr lvl="1"/>
+            <a:r>
+              <a:rPr lang="nb-NO" dirty="0" err="1"/>
+              <a:t>extension.json</a:t>
+            </a:r>
+            <a:endParaRPr lang="nb-NO" dirty="0"/>
+          </a:p>
+          <a:p>
+            <a:pPr lvl="2"/>
+            <a:r>
+              <a:rPr lang="nb-NO" dirty="0"/>
+              <a:t>Containerens personlige </a:t>
+            </a:r>
+            <a:r>
+              <a:rPr lang="nb-NO" dirty="0" err="1"/>
+              <a:t>plugins</a:t>
+            </a:r>
+            <a:endParaRPr lang="nb-NO" dirty="0"/>
+          </a:p>
+          <a:p>
+            <a:pPr lvl="1"/>
+            <a:r>
+              <a:rPr lang="nb-NO" dirty="0" err="1"/>
+              <a:t>launch.json</a:t>
+            </a:r>
+            <a:endParaRPr lang="nb-NO" dirty="0"/>
+          </a:p>
+          <a:p>
+            <a:pPr lvl="2"/>
+            <a:r>
+              <a:rPr lang="nb-NO" dirty="0" err="1"/>
+              <a:t>Debug</a:t>
+            </a:r>
+            <a:r>
+              <a:rPr lang="nb-NO" dirty="0"/>
+              <a:t> og start kommandoer (grønn knapp)</a:t>
+            </a:r>
+          </a:p>
+          <a:p>
+            <a:pPr lvl="1"/>
+            <a:r>
+              <a:rPr lang="nb-NO" dirty="0" err="1"/>
+              <a:t>tasks.json</a:t>
+            </a:r>
+            <a:endParaRPr lang="nb-NO" dirty="0"/>
+          </a:p>
+          <a:p>
+            <a:pPr lvl="2"/>
+            <a:r>
+              <a:rPr lang="nb-NO" dirty="0" err="1"/>
+              <a:t>Byggescripts</a:t>
+            </a:r>
+            <a:endParaRPr lang="nb-NO" dirty="0"/>
+          </a:p>
+          <a:p>
+            <a:endParaRPr lang="nb-NO" dirty="0"/>
+          </a:p>
+        </p:txBody>
+      </p:sp>
+    </p:spTree>
+    <p:extLst>
+      <p:ext uri="{BB962C8B-B14F-4D97-AF65-F5344CB8AC3E}">
+        <p14:creationId xmlns:p14="http://schemas.microsoft.com/office/powerpoint/2010/main" val="3688905145"/>
+      </p:ext>
+    </p:extLst>
+  </p:cSld>
+  <p:clrMapOvr>
+    <a:masterClrMapping/>
+  </p:clrMapOvr>
+</p:sld>
+</file>
+
+<file path=ppt/slides/slide21.xml><?xml version="1.0" encoding="utf-8"?>
+<p:sld xmlns:a="http://schemas.openxmlformats.org/drawingml/2006/main" xmlns:r="http://schemas.openxmlformats.org/officeDocument/2006/relationships" xmlns:p="http://schemas.openxmlformats.org/presentationml/2006/main">
+  <p:cSld>
+    <p:spTree>
+      <p:nvGrpSpPr>
+        <p:cNvPr id="1" name=""/>
+        <p:cNvGrpSpPr/>
+        <p:nvPr/>
+      </p:nvGrpSpPr>
+      <p:grpSpPr>
+        <a:xfrm>
+          <a:off x="0" y="0"/>
+          <a:ext cx="0" cy="0"/>
+          <a:chOff x="0" y="0"/>
+          <a:chExt cx="0" cy="0"/>
+        </a:xfrm>
+      </p:grpSpPr>
+      <p:sp>
+        <p:nvSpPr>
+          <p:cNvPr id="2" name="Tittel 1">
+            <a:extLst>
+              <a:ext uri="{FF2B5EF4-FFF2-40B4-BE49-F238E27FC236}">
+                <a16:creationId xmlns:a16="http://schemas.microsoft.com/office/drawing/2014/main" id="{64ABFB77-3F6C-E791-40C1-1463B5627425}"/>
+              </a:ext>
+            </a:extLst>
+          </p:cNvPr>
+          <p:cNvSpPr>
+            <a:spLocks noGrp="1"/>
+          </p:cNvSpPr>
+          <p:nvPr>
+            <p:ph type="title"/>
+          </p:nvPr>
+        </p:nvSpPr>
+        <p:spPr/>
+        <p:txBody>
+          <a:bodyPr/>
+          <a:lstStyle/>
+          <a:p>
+            <a:r>
+              <a:rPr lang="nb-NO" dirty="0"/>
+              <a:t>Hvor brukes </a:t>
+            </a:r>
+            <a:r>
+              <a:rPr lang="nb-NO" dirty="0" err="1"/>
+              <a:t>docker</a:t>
+            </a:r>
+            <a:endParaRPr lang="nb-NO" dirty="0"/>
+          </a:p>
+        </p:txBody>
+      </p:sp>
+      <p:sp>
+        <p:nvSpPr>
+          <p:cNvPr id="3" name="Plassholder for innhold 2">
+            <a:extLst>
+              <a:ext uri="{FF2B5EF4-FFF2-40B4-BE49-F238E27FC236}">
+                <a16:creationId xmlns:a16="http://schemas.microsoft.com/office/drawing/2014/main" id="{7184CB9B-CBE6-0AAF-014A-9F4AB0BD2055}"/>
+              </a:ext>
+            </a:extLst>
+          </p:cNvPr>
+          <p:cNvSpPr>
+            <a:spLocks noGrp="1"/>
+          </p:cNvSpPr>
+          <p:nvPr>
+            <p:ph idx="1"/>
+          </p:nvPr>
+        </p:nvSpPr>
+        <p:spPr/>
+        <p:txBody>
+          <a:bodyPr/>
+          <a:lstStyle/>
+          <a:p>
+            <a:r>
+              <a:rPr lang="nb-NO" dirty="0"/>
+              <a:t>Azure</a:t>
+            </a:r>
+          </a:p>
+          <a:p>
+            <a:pPr lvl="1"/>
+            <a:r>
+              <a:rPr lang="nb-NO" dirty="0"/>
+              <a:t>Når man velger Linux som miljø for </a:t>
+            </a:r>
+            <a:r>
+              <a:rPr lang="nb-NO" dirty="0" err="1"/>
+              <a:t>webapp</a:t>
+            </a:r>
+            <a:endParaRPr lang="nb-NO" dirty="0"/>
+          </a:p>
+          <a:p>
+            <a:pPr lvl="1"/>
+            <a:r>
+              <a:rPr lang="nb-NO" dirty="0"/>
+              <a:t>Azure </a:t>
+            </a:r>
+            <a:r>
+              <a:rPr lang="nb-NO" dirty="0" err="1"/>
+              <a:t>functions</a:t>
+            </a:r>
+            <a:endParaRPr lang="nb-NO" dirty="0"/>
+          </a:p>
+          <a:p>
+            <a:pPr lvl="1"/>
+            <a:r>
+              <a:rPr lang="nb-NO" dirty="0"/>
+              <a:t>Sannsynligvis det meste </a:t>
+            </a:r>
+            <a:r>
+              <a:rPr lang="nb-NO" dirty="0" err="1"/>
+              <a:t>untatt</a:t>
+            </a:r>
+            <a:r>
+              <a:rPr lang="nb-NO" dirty="0"/>
+              <a:t> virtuell maskin</a:t>
+            </a:r>
+          </a:p>
+          <a:p>
+            <a:r>
+              <a:rPr lang="nb-NO" dirty="0"/>
+              <a:t>AWS</a:t>
+            </a:r>
+          </a:p>
+          <a:p>
+            <a:pPr lvl="1"/>
+            <a:r>
+              <a:rPr lang="nb-NO" dirty="0"/>
+              <a:t>Tilsvarende som Azure</a:t>
+            </a:r>
+          </a:p>
+          <a:p>
+            <a:pPr lvl="1"/>
+            <a:r>
+              <a:rPr lang="nb-NO" dirty="0"/>
+              <a:t>Container som tar opp nesten komplett AWS på lokal maskin</a:t>
+            </a:r>
+          </a:p>
+          <a:p>
+            <a:r>
+              <a:rPr lang="nb-NO" dirty="0"/>
+              <a:t>Lokal maskin</a:t>
+            </a:r>
+          </a:p>
+          <a:p>
+            <a:pPr lvl="1"/>
+            <a:r>
+              <a:rPr lang="nb-NO" dirty="0"/>
+              <a:t>Hoste utviklingsmiljø</a:t>
+            </a:r>
+          </a:p>
+          <a:p>
+            <a:pPr lvl="1"/>
+            <a:r>
+              <a:rPr lang="nb-NO" dirty="0" err="1"/>
+              <a:t>Replikere</a:t>
+            </a:r>
+            <a:r>
+              <a:rPr lang="nb-NO" dirty="0"/>
+              <a:t> </a:t>
+            </a:r>
+            <a:r>
+              <a:rPr lang="nb-NO" dirty="0" err="1"/>
+              <a:t>Cloud</a:t>
+            </a:r>
+            <a:r>
+              <a:rPr lang="nb-NO" dirty="0"/>
+              <a:t> miljø</a:t>
+            </a:r>
+          </a:p>
+          <a:p>
+            <a:pPr marL="457200" lvl="1" indent="0">
+              <a:buNone/>
+            </a:pPr>
+            <a:endParaRPr lang="nb-NO" dirty="0"/>
+          </a:p>
+        </p:txBody>
+      </p:sp>
+    </p:spTree>
+    <p:extLst>
+      <p:ext uri="{BB962C8B-B14F-4D97-AF65-F5344CB8AC3E}">
+        <p14:creationId xmlns:p14="http://schemas.microsoft.com/office/powerpoint/2010/main" val="3870016799"/>
+      </p:ext>
+    </p:extLst>
+  </p:cSld>
+  <p:clrMapOvr>
+    <a:masterClrMapping/>
+  </p:clrMapOvr>
+</p:sld>
+</file>
+
+<file path=ppt/slides/slide22.xml><?xml version="1.0" encoding="utf-8"?>
+<p:sld xmlns:a="http://schemas.openxmlformats.org/drawingml/2006/main" xmlns:r="http://schemas.openxmlformats.org/officeDocument/2006/relationships" xmlns:p="http://schemas.openxmlformats.org/presentationml/2006/main">
+  <p:cSld>
+    <p:spTree>
+      <p:nvGrpSpPr>
+        <p:cNvPr id="1" name=""/>
+        <p:cNvGrpSpPr/>
+        <p:nvPr/>
+      </p:nvGrpSpPr>
+      <p:grpSpPr>
+        <a:xfrm>
+          <a:off x="0" y="0"/>
+          <a:ext cx="0" cy="0"/>
+          <a:chOff x="0" y="0"/>
+          <a:chExt cx="0" cy="0"/>
+        </a:xfrm>
+      </p:grpSpPr>
+      <p:sp>
+        <p:nvSpPr>
+          <p:cNvPr id="2" name="Tittel 1">
+            <a:extLst>
+              <a:ext uri="{FF2B5EF4-FFF2-40B4-BE49-F238E27FC236}">
                 <a16:creationId xmlns:a16="http://schemas.microsoft.com/office/drawing/2014/main" id="{F1DA9062-5970-ACEB-FCB1-16B533E30718}"/>
               </a:ext>
             </a:extLst>
@@ -5931,7 +7099,10 @@
           <a:bodyPr/>
           <a:lstStyle/>
           <a:p>
-            <a:endParaRPr lang="nb-NO"/>
+            <a:r>
+              <a:rPr lang="nb-NO" dirty="0"/>
+              <a:t>Lab 3 </a:t>
+            </a:r>
           </a:p>
         </p:txBody>
       </p:sp>
@@ -5956,7 +7127,55 @@
           <a:bodyPr/>
           <a:lstStyle/>
           <a:p>
-            <a:endParaRPr lang="nb-NO"/>
+            <a:r>
+              <a:rPr lang="nb-NO" dirty="0"/>
+              <a:t>Under </a:t>
+            </a:r>
+            <a:r>
+              <a:rPr lang="nb-NO" dirty="0" err="1"/>
+              <a:t>templates</a:t>
+            </a:r>
+            <a:r>
+              <a:rPr lang="nb-NO" dirty="0"/>
+              <a:t> ligger en rekke kataloger</a:t>
+            </a:r>
+          </a:p>
+          <a:p>
+            <a:pPr lvl="1"/>
+            <a:r>
+              <a:rPr lang="nb-NO" dirty="0"/>
+              <a:t>Eksperimenter med disse</a:t>
+            </a:r>
+          </a:p>
+          <a:p>
+            <a:pPr lvl="1"/>
+            <a:r>
+              <a:rPr lang="nb-NO" dirty="0"/>
+              <a:t>Får du til å </a:t>
+            </a:r>
+            <a:r>
+              <a:rPr lang="nb-NO" dirty="0" err="1"/>
+              <a:t>debugge</a:t>
+            </a:r>
+            <a:r>
+              <a:rPr lang="nb-NO" dirty="0"/>
+              <a:t>?</a:t>
+            </a:r>
+          </a:p>
+          <a:p>
+            <a:pPr lvl="1"/>
+            <a:r>
+              <a:rPr lang="nb-NO" dirty="0"/>
+              <a:t>Får du </a:t>
+            </a:r>
+            <a:r>
+              <a:rPr lang="nb-NO" dirty="0" err="1"/>
+              <a:t>extensions</a:t>
+            </a:r>
+            <a:r>
+              <a:rPr lang="nb-NO" dirty="0"/>
+              <a:t> til å virke?</a:t>
+            </a:r>
           </a:p>
         </p:txBody>
       </p:sp>
@@ -6020,236 +7239,6 @@
 </p:sld>
 </file>
 
-<file path=ppt/slides/slide2.xml><?xml version="1.0" encoding="utf-8"?>
-<p:sld xmlns:a="http://schemas.openxmlformats.org/drawingml/2006/main" xmlns:r="http://schemas.openxmlformats.org/officeDocument/2006/relationships" xmlns:p="http://schemas.openxmlformats.org/presentationml/2006/main">
-  <p:cSld>
-    <p:spTree>
-      <p:nvGrpSpPr>
-        <p:cNvPr id="1" name=""/>
-        <p:cNvGrpSpPr/>
-        <p:nvPr/>
-      </p:nvGrpSpPr>
-      <p:grpSpPr>
-        <a:xfrm>
-          <a:off x="0" y="0"/>
-          <a:ext cx="0" cy="0"/>
-          <a:chOff x="0" y="0"/>
-          <a:chExt cx="0" cy="0"/>
-        </a:xfrm>
-      </p:grpSpPr>
-      <p:sp>
-        <p:nvSpPr>
-          <p:cNvPr id="2" name="Tittel 1">
-            <a:extLst>
-              <a:ext uri="{FF2B5EF4-FFF2-40B4-BE49-F238E27FC236}">
-                <a16:creationId xmlns:a16="http://schemas.microsoft.com/office/drawing/2014/main" id="{6424C58F-AE15-E958-FD09-3871C08E5411}"/>
-              </a:ext>
-            </a:extLst>
-          </p:cNvPr>
-          <p:cNvSpPr>
-            <a:spLocks noGrp="1"/>
-          </p:cNvSpPr>
-          <p:nvPr>
-            <p:ph type="title"/>
-          </p:nvPr>
-        </p:nvSpPr>
-        <p:spPr/>
-        <p:txBody>
-          <a:bodyPr/>
-          <a:lstStyle/>
-          <a:p>
-            <a:r>
-              <a:rPr lang="nb-NO" dirty="0"/>
-              <a:t>Vi forutsetter at du har installert</a:t>
-            </a:r>
-          </a:p>
-        </p:txBody>
-      </p:sp>
-      <p:sp>
-        <p:nvSpPr>
-          <p:cNvPr id="3" name="Plassholder for innhold 2">
-            <a:extLst>
-              <a:ext uri="{FF2B5EF4-FFF2-40B4-BE49-F238E27FC236}">
-                <a16:creationId xmlns:a16="http://schemas.microsoft.com/office/drawing/2014/main" id="{99F8842D-29FB-EE3E-A4F9-3B604D7F7E5B}"/>
-              </a:ext>
-            </a:extLst>
-          </p:cNvPr>
-          <p:cNvSpPr>
-            <a:spLocks noGrp="1"/>
-          </p:cNvSpPr>
-          <p:nvPr>
-            <p:ph idx="1"/>
-          </p:nvPr>
-        </p:nvSpPr>
-        <p:spPr/>
-        <p:txBody>
-          <a:bodyPr/>
-          <a:lstStyle/>
-          <a:p>
-            <a:r>
-              <a:rPr lang="nb-NO" dirty="0"/>
-              <a:t>GIT</a:t>
-            </a:r>
-          </a:p>
-          <a:p>
-            <a:r>
-              <a:rPr lang="nb-NO" dirty="0" err="1"/>
-              <a:t>Docker</a:t>
-            </a:r>
-            <a:r>
-              <a:rPr lang="nb-NO" dirty="0"/>
-              <a:t> Desktop </a:t>
-            </a:r>
-          </a:p>
-          <a:p>
-            <a:r>
-              <a:rPr lang="nb-NO" dirty="0"/>
-              <a:t>VS Studio Code med </a:t>
-            </a:r>
-            <a:r>
-              <a:rPr lang="nb-NO" dirty="0" err="1"/>
-              <a:t>Addins</a:t>
-            </a:r>
-            <a:r>
-              <a:rPr lang="nb-NO" dirty="0"/>
-              <a:t>:</a:t>
-            </a:r>
-          </a:p>
-        </p:txBody>
-      </p:sp>
-      <p:pic>
-        <p:nvPicPr>
-          <p:cNvPr id="4" name="Bilde 3">
-            <a:extLst>
-              <a:ext uri="{FF2B5EF4-FFF2-40B4-BE49-F238E27FC236}">
-                <a16:creationId xmlns:a16="http://schemas.microsoft.com/office/drawing/2014/main" id="{9232B904-A58D-5980-FDB8-AC849832A619}"/>
-              </a:ext>
-            </a:extLst>
-          </p:cNvPr>
-          <p:cNvPicPr>
-            <a:picLocks noChangeAspect="1"/>
-          </p:cNvPicPr>
-          <p:nvPr/>
-        </p:nvPicPr>
-        <p:blipFill>
-          <a:blip r:embed="rId2"/>
-          <a:stretch>
-            <a:fillRect/>
-          </a:stretch>
-        </p:blipFill>
-        <p:spPr>
-          <a:xfrm>
-            <a:off x="5910638" y="5050842"/>
-            <a:ext cx="6281362" cy="1514005"/>
-          </a:xfrm>
-          <a:prstGeom prst="rect">
-            <a:avLst/>
-          </a:prstGeom>
-        </p:spPr>
-      </p:pic>
-      <p:pic>
-        <p:nvPicPr>
-          <p:cNvPr id="5" name="Bilde 4">
-            <a:extLst>
-              <a:ext uri="{FF2B5EF4-FFF2-40B4-BE49-F238E27FC236}">
-                <a16:creationId xmlns:a16="http://schemas.microsoft.com/office/drawing/2014/main" id="{E8D2441B-5EC9-BC7F-881E-89165CF896E7}"/>
-              </a:ext>
-            </a:extLst>
-          </p:cNvPr>
-          <p:cNvPicPr>
-            <a:picLocks noChangeAspect="1"/>
-          </p:cNvPicPr>
-          <p:nvPr/>
-        </p:nvPicPr>
-        <p:blipFill>
-          <a:blip r:embed="rId3"/>
-          <a:stretch>
-            <a:fillRect/>
-          </a:stretch>
-        </p:blipFill>
-        <p:spPr>
-          <a:xfrm>
-            <a:off x="5910638" y="3469370"/>
-            <a:ext cx="6085702" cy="1514004"/>
-          </a:xfrm>
-          <a:prstGeom prst="rect">
-            <a:avLst/>
-          </a:prstGeom>
-        </p:spPr>
-      </p:pic>
-      <p:pic>
-        <p:nvPicPr>
-          <p:cNvPr id="6" name="Bilde 5">
-            <a:extLst>
-              <a:ext uri="{FF2B5EF4-FFF2-40B4-BE49-F238E27FC236}">
-                <a16:creationId xmlns:a16="http://schemas.microsoft.com/office/drawing/2014/main" id="{56C3583C-9629-C4BC-23A4-9E4978BFDD19}"/>
-              </a:ext>
-            </a:extLst>
-          </p:cNvPr>
-          <p:cNvPicPr>
-            <a:picLocks noChangeAspect="1"/>
-          </p:cNvPicPr>
-          <p:nvPr/>
-        </p:nvPicPr>
-        <p:blipFill>
-          <a:blip r:embed="rId4"/>
-          <a:stretch>
-            <a:fillRect/>
-          </a:stretch>
-        </p:blipFill>
-        <p:spPr>
-          <a:xfrm>
-            <a:off x="6017741" y="1418955"/>
-            <a:ext cx="4790302" cy="1477052"/>
-          </a:xfrm>
-          <a:prstGeom prst="rect">
-            <a:avLst/>
-          </a:prstGeom>
-        </p:spPr>
-      </p:pic>
-      <p:pic>
-        <p:nvPicPr>
-          <p:cNvPr id="7" name="Bilde 6">
-            <a:extLst>
-              <a:ext uri="{FF2B5EF4-FFF2-40B4-BE49-F238E27FC236}">
-                <a16:creationId xmlns:a16="http://schemas.microsoft.com/office/drawing/2014/main" id="{1A8544D1-1390-5BE7-E97F-7E510FADBBAE}"/>
-              </a:ext>
-            </a:extLst>
-          </p:cNvPr>
-          <p:cNvPicPr>
-            <a:picLocks noChangeAspect="1"/>
-          </p:cNvPicPr>
-          <p:nvPr/>
-        </p:nvPicPr>
-        <p:blipFill>
-          <a:blip r:embed="rId5"/>
-          <a:stretch>
-            <a:fillRect/>
-          </a:stretch>
-        </p:blipFill>
-        <p:spPr>
-          <a:xfrm>
-            <a:off x="2779240" y="3422562"/>
-            <a:ext cx="2624782" cy="3015134"/>
-          </a:xfrm>
-          <a:prstGeom prst="rect">
-            <a:avLst/>
-          </a:prstGeom>
-        </p:spPr>
-      </p:pic>
-    </p:spTree>
-    <p:extLst>
-      <p:ext uri="{BB962C8B-B14F-4D97-AF65-F5344CB8AC3E}">
-        <p14:creationId xmlns:p14="http://schemas.microsoft.com/office/powerpoint/2010/main" val="1341283554"/>
-      </p:ext>
-    </p:extLst>
-  </p:cSld>
-  <p:clrMapOvr>
-    <a:masterClrMapping/>
-  </p:clrMapOvr>
-</p:sld>
-</file>
-
 <file path=ppt/slides/slide3.xml><?xml version="1.0" encoding="utf-8"?>
 <p:sld xmlns:a="http://schemas.openxmlformats.org/drawingml/2006/main" xmlns:r="http://schemas.openxmlformats.org/officeDocument/2006/relationships" xmlns:p="http://schemas.openxmlformats.org/presentationml/2006/main">
   <p:cSld>
@@ -6272,7 +7261,7 @@
           <p:cNvPr id="2" name="Tittel 1">
             <a:extLst>
               <a:ext uri="{FF2B5EF4-FFF2-40B4-BE49-F238E27FC236}">
-                <a16:creationId xmlns:a16="http://schemas.microsoft.com/office/drawing/2014/main" id="{E9B9DCB7-FB32-C22A-08A3-3B233D86F782}"/>
+                <a16:creationId xmlns:a16="http://schemas.microsoft.com/office/drawing/2014/main" id="{BE8085C0-F64E-650B-EF1D-AE9B4A7CBFA0}"/>
               </a:ext>
             </a:extLst>
           </p:cNvPr>
@@ -6290,115 +7279,94 @@
           <a:p>
             <a:r>
               <a:rPr lang="nb-NO" dirty="0"/>
-              <a:t>Hva er </a:t>
-            </a:r>
-            <a:r>
-              <a:rPr lang="nb-NO" dirty="0" err="1"/>
+              <a:t>Oppvarming</a:t>
+            </a:r>
+          </a:p>
+        </p:txBody>
+      </p:sp>
+      <p:sp>
+        <p:nvSpPr>
+          <p:cNvPr id="3" name="Plassholder for innhold 2">
+            <a:extLst>
+              <a:ext uri="{FF2B5EF4-FFF2-40B4-BE49-F238E27FC236}">
+                <a16:creationId xmlns:a16="http://schemas.microsoft.com/office/drawing/2014/main" id="{4B65B3CC-6FBF-A380-A943-561CA3B1683F}"/>
+              </a:ext>
+            </a:extLst>
+          </p:cNvPr>
+          <p:cNvSpPr>
+            <a:spLocks noGrp="1"/>
+          </p:cNvSpPr>
+          <p:nvPr>
+            <p:ph idx="1"/>
+          </p:nvPr>
+        </p:nvSpPr>
+        <p:spPr/>
+        <p:txBody>
+          <a:bodyPr/>
+          <a:lstStyle/>
+          <a:p>
+            <a:r>
+              <a:rPr lang="nb-NO" dirty="0"/>
+              <a:t>Fra kommandolinje</a:t>
+            </a:r>
+          </a:p>
+          <a:p>
+            <a:pPr lvl="1"/>
+            <a:r>
+              <a:rPr lang="nb-NO" b="0" dirty="0" err="1">
+                <a:effectLst/>
+                <a:latin typeface="Cascadia Code" panose="020B0609020000020004" pitchFamily="49" charset="0"/>
+              </a:rPr>
               <a:t>docker</a:t>
             </a:r>
+            <a:r>
+              <a:rPr lang="nb-NO" b="0" dirty="0">
+                <a:effectLst/>
+                <a:latin typeface="Cascadia Code" panose="020B0609020000020004" pitchFamily="49" charset="0"/>
+              </a:rPr>
+              <a:t> run --</a:t>
+            </a:r>
+            <a:r>
+              <a:rPr lang="nb-NO" b="0" dirty="0" err="1">
+                <a:effectLst/>
+                <a:latin typeface="Cascadia Code" panose="020B0609020000020004" pitchFamily="49" charset="0"/>
+              </a:rPr>
+              <a:t>rm</a:t>
+            </a:r>
+            <a:r>
+              <a:rPr lang="nb-NO" b="0" dirty="0">
+                <a:effectLst/>
+                <a:latin typeface="Cascadia Code" panose="020B0609020000020004" pitchFamily="49" charset="0"/>
+              </a:rPr>
+              <a:t> -it </a:t>
+            </a:r>
+            <a:r>
+              <a:rPr lang="nb-NO" b="0" dirty="0" err="1">
+                <a:effectLst/>
+                <a:latin typeface="Cascadia Code" panose="020B0609020000020004" pitchFamily="49" charset="0"/>
+              </a:rPr>
+              <a:t>flohofwoe</a:t>
+            </a:r>
+            <a:r>
+              <a:rPr lang="nb-NO" b="0" dirty="0">
+                <a:effectLst/>
+                <a:latin typeface="Cascadia Code" panose="020B0609020000020004" pitchFamily="49" charset="0"/>
+              </a:rPr>
+              <a:t>/c64</a:t>
+            </a:r>
+          </a:p>
+          <a:p>
+            <a:pPr marL="457200" lvl="1" indent="0">
+              <a:buNone/>
+            </a:pPr>
             <a:endParaRPr lang="nb-NO" dirty="0"/>
-          </a:p>
-        </p:txBody>
-      </p:sp>
-      <p:sp>
-        <p:nvSpPr>
-          <p:cNvPr id="3" name="Plassholder for innhold 2">
-            <a:extLst>
-              <a:ext uri="{FF2B5EF4-FFF2-40B4-BE49-F238E27FC236}">
-                <a16:creationId xmlns:a16="http://schemas.microsoft.com/office/drawing/2014/main" id="{34C1B701-4853-56B3-2D07-FF6E2D9AC05F}"/>
-              </a:ext>
-            </a:extLst>
-          </p:cNvPr>
-          <p:cNvSpPr>
-            <a:spLocks noGrp="1"/>
-          </p:cNvSpPr>
-          <p:nvPr>
-            <p:ph idx="1"/>
-          </p:nvPr>
-        </p:nvSpPr>
-        <p:spPr/>
-        <p:txBody>
-          <a:bodyPr/>
-          <a:lstStyle/>
-          <a:p>
-            <a:r>
-              <a:rPr lang="nb-NO" dirty="0"/>
-              <a:t>En slags «virtuell maskin»</a:t>
-            </a:r>
-          </a:p>
-          <a:p>
-            <a:pPr lvl="1"/>
-            <a:r>
-              <a:rPr lang="nb-NO" dirty="0"/>
-              <a:t>Men et enklere konsept</a:t>
-            </a:r>
-          </a:p>
-          <a:p>
-            <a:pPr lvl="1"/>
-            <a:r>
-              <a:rPr lang="nb-NO" dirty="0"/>
-              <a:t>Har et strippet OS</a:t>
-            </a:r>
-          </a:p>
-          <a:p>
-            <a:pPr lvl="1"/>
-            <a:r>
-              <a:rPr lang="nb-NO" dirty="0" err="1"/>
-              <a:t>Docker</a:t>
-            </a:r>
-            <a:r>
-              <a:rPr lang="nb-NO" dirty="0"/>
-              <a:t> kan startes på tideler av et sekund</a:t>
-            </a:r>
-          </a:p>
-          <a:p>
-            <a:pPr lvl="1"/>
-            <a:r>
-              <a:rPr lang="nb-NO" dirty="0"/>
-              <a:t>Virtuelle Maskiner startes på minutter</a:t>
-            </a:r>
-          </a:p>
-        </p:txBody>
-      </p:sp>
-      <p:sp>
-        <p:nvSpPr>
-          <p:cNvPr id="4" name="object 4">
-            <a:extLst>
-              <a:ext uri="{FF2B5EF4-FFF2-40B4-BE49-F238E27FC236}">
-                <a16:creationId xmlns:a16="http://schemas.microsoft.com/office/drawing/2014/main" id="{31039153-F016-59AE-34F9-AC0B71691504}"/>
-              </a:ext>
-            </a:extLst>
-          </p:cNvPr>
-          <p:cNvSpPr/>
-          <p:nvPr/>
-        </p:nvSpPr>
-        <p:spPr>
-          <a:xfrm>
-            <a:off x="7337077" y="768809"/>
-            <a:ext cx="3962692" cy="3232485"/>
-          </a:xfrm>
-          <a:prstGeom prst="rect">
-            <a:avLst/>
-          </a:prstGeom>
-          <a:blipFill>
-            <a:blip r:embed="rId2" cstate="print"/>
-            <a:stretch>
-              <a:fillRect/>
-            </a:stretch>
-          </a:blipFill>
-        </p:spPr>
-        <p:txBody>
-          <a:bodyPr wrap="square" lIns="0" tIns="0" rIns="0" bIns="0" rtlCol="0"/>
-          <a:lstStyle/>
-          <a:p>
-            <a:endParaRPr/>
           </a:p>
         </p:txBody>
       </p:sp>
     </p:spTree>
     <p:extLst>
       <p:ext uri="{BB962C8B-B14F-4D97-AF65-F5344CB8AC3E}">
-        <p14:creationId xmlns:p14="http://schemas.microsoft.com/office/powerpoint/2010/main" val="344381795"/>
+        <p14:creationId xmlns:p14="http://schemas.microsoft.com/office/powerpoint/2010/main" val="3730697028"/>
       </p:ext>
     </p:extLst>
   </p:cSld>
@@ -6425,6 +7393,164 @@
           <a:chExt cx="0" cy="0"/>
         </a:xfrm>
       </p:grpSpPr>
+      <p:sp>
+        <p:nvSpPr>
+          <p:cNvPr id="2" name="Tittel 1">
+            <a:extLst>
+              <a:ext uri="{FF2B5EF4-FFF2-40B4-BE49-F238E27FC236}">
+                <a16:creationId xmlns:a16="http://schemas.microsoft.com/office/drawing/2014/main" id="{E9B9DCB7-FB32-C22A-08A3-3B233D86F782}"/>
+              </a:ext>
+            </a:extLst>
+          </p:cNvPr>
+          <p:cNvSpPr>
+            <a:spLocks noGrp="1"/>
+          </p:cNvSpPr>
+          <p:nvPr>
+            <p:ph type="title"/>
+          </p:nvPr>
+        </p:nvSpPr>
+        <p:spPr/>
+        <p:txBody>
+          <a:bodyPr/>
+          <a:lstStyle/>
+          <a:p>
+            <a:r>
+              <a:rPr lang="nb-NO" dirty="0"/>
+              <a:t>Hva er </a:t>
+            </a:r>
+            <a:r>
+              <a:rPr lang="nb-NO" dirty="0" err="1"/>
+              <a:t>docker</a:t>
+            </a:r>
+            <a:endParaRPr lang="nb-NO" dirty="0"/>
+          </a:p>
+        </p:txBody>
+      </p:sp>
+      <p:sp>
+        <p:nvSpPr>
+          <p:cNvPr id="3" name="Plassholder for innhold 2">
+            <a:extLst>
+              <a:ext uri="{FF2B5EF4-FFF2-40B4-BE49-F238E27FC236}">
+                <a16:creationId xmlns:a16="http://schemas.microsoft.com/office/drawing/2014/main" id="{34C1B701-4853-56B3-2D07-FF6E2D9AC05F}"/>
+              </a:ext>
+            </a:extLst>
+          </p:cNvPr>
+          <p:cNvSpPr>
+            <a:spLocks noGrp="1"/>
+          </p:cNvSpPr>
+          <p:nvPr>
+            <p:ph idx="1"/>
+          </p:nvPr>
+        </p:nvSpPr>
+        <p:spPr/>
+        <p:txBody>
+          <a:bodyPr/>
+          <a:lstStyle/>
+          <a:p>
+            <a:r>
+              <a:rPr lang="nb-NO" dirty="0"/>
+              <a:t>En slags «virtuell maskin»</a:t>
+            </a:r>
+          </a:p>
+          <a:p>
+            <a:pPr lvl="1"/>
+            <a:r>
+              <a:rPr lang="nb-NO" dirty="0"/>
+              <a:t>Men et enklere konsept</a:t>
+            </a:r>
+          </a:p>
+          <a:p>
+            <a:pPr lvl="1"/>
+            <a:r>
+              <a:rPr lang="nb-NO" dirty="0"/>
+              <a:t>Har et strippet OS</a:t>
+            </a:r>
+          </a:p>
+          <a:p>
+            <a:pPr lvl="1"/>
+            <a:r>
+              <a:rPr lang="nb-NO" dirty="0" err="1"/>
+              <a:t>Docker</a:t>
+            </a:r>
+            <a:r>
+              <a:rPr lang="nb-NO" dirty="0"/>
+              <a:t> kan startes på tideler av et sekund</a:t>
+            </a:r>
+          </a:p>
+          <a:p>
+            <a:pPr lvl="1"/>
+            <a:r>
+              <a:rPr lang="nb-NO" dirty="0"/>
+              <a:t>Virtuelle Maskiner startes på minutter</a:t>
+            </a:r>
+          </a:p>
+        </p:txBody>
+      </p:sp>
+      <p:sp>
+        <p:nvSpPr>
+          <p:cNvPr id="4" name="object 4">
+            <a:extLst>
+              <a:ext uri="{FF2B5EF4-FFF2-40B4-BE49-F238E27FC236}">
+                <a16:creationId xmlns:a16="http://schemas.microsoft.com/office/drawing/2014/main" id="{31039153-F016-59AE-34F9-AC0B71691504}"/>
+              </a:ext>
+            </a:extLst>
+          </p:cNvPr>
+          <p:cNvSpPr/>
+          <p:nvPr/>
+        </p:nvSpPr>
+        <p:spPr>
+          <a:xfrm>
+            <a:off x="7337077" y="768809"/>
+            <a:ext cx="3962692" cy="3232485"/>
+          </a:xfrm>
+          <a:prstGeom prst="rect">
+            <a:avLst/>
+          </a:prstGeom>
+          <a:blipFill>
+            <a:blip r:embed="rId2" cstate="print"/>
+            <a:stretch>
+              <a:fillRect/>
+            </a:stretch>
+          </a:blipFill>
+        </p:spPr>
+        <p:txBody>
+          <a:bodyPr wrap="square" lIns="0" tIns="0" rIns="0" bIns="0" rtlCol="0"/>
+          <a:lstStyle/>
+          <a:p>
+            <a:endParaRPr/>
+          </a:p>
+        </p:txBody>
+      </p:sp>
+    </p:spTree>
+    <p:extLst>
+      <p:ext uri="{BB962C8B-B14F-4D97-AF65-F5344CB8AC3E}">
+        <p14:creationId xmlns:p14="http://schemas.microsoft.com/office/powerpoint/2010/main" val="344381795"/>
+      </p:ext>
+    </p:extLst>
+  </p:cSld>
+  <p:clrMapOvr>
+    <a:masterClrMapping/>
+  </p:clrMapOvr>
+</p:sld>
+</file>
+
+<file path=ppt/slides/slide5.xml><?xml version="1.0" encoding="utf-8"?>
+<p:sld xmlns:a="http://schemas.openxmlformats.org/drawingml/2006/main" xmlns:r="http://schemas.openxmlformats.org/officeDocument/2006/relationships" xmlns:p="http://schemas.openxmlformats.org/presentationml/2006/main">
+  <p:cSld>
+    <p:spTree>
+      <p:nvGrpSpPr>
+        <p:cNvPr id="1" name=""/>
+        <p:cNvGrpSpPr/>
+        <p:nvPr/>
+      </p:nvGrpSpPr>
+      <p:grpSpPr>
+        <a:xfrm>
+          <a:off x="0" y="0"/>
+          <a:ext cx="0" cy="0"/>
+          <a:chOff x="0" y="0"/>
+          <a:chExt cx="0" cy="0"/>
+        </a:xfrm>
+      </p:grpSpPr>
       <p:pic>
         <p:nvPicPr>
           <p:cNvPr id="1026" name="Picture 2" descr="Docker Objects. Dockerfile | by Bikram | Medium">
@@ -6675,7 +7801,7 @@
 </p:sld>
 </file>
 
-<file path=ppt/slides/slide5.xml><?xml version="1.0" encoding="utf-8"?>
+<file path=ppt/slides/slide6.xml><?xml version="1.0" encoding="utf-8"?>
 <p:sld xmlns:a="http://schemas.openxmlformats.org/drawingml/2006/main" xmlns:r="http://schemas.openxmlformats.org/officeDocument/2006/relationships" xmlns:p="http://schemas.openxmlformats.org/presentationml/2006/main">
   <p:cSld>
     <p:spTree>
@@ -6735,7 +7861,7 @@
 </p:sld>
 </file>
 
-<file path=ppt/slides/slide6.xml><?xml version="1.0" encoding="utf-8"?>
+<file path=ppt/slides/slide7.xml><?xml version="1.0" encoding="utf-8"?>
 <p:sld xmlns:a="http://schemas.openxmlformats.org/drawingml/2006/main" xmlns:r="http://schemas.openxmlformats.org/officeDocument/2006/relationships" xmlns:p="http://schemas.openxmlformats.org/presentationml/2006/main">
   <p:cSld>
     <p:spTree>
@@ -6869,15 +7995,7 @@
             </a:r>
             <a:r>
               <a:rPr lang="nb-NO" dirty="0"/>
-              <a:t> run -i </a:t>
-            </a:r>
-            <a:r>
-              <a:rPr lang="nb-NO" dirty="0" err="1"/>
-              <a:t>hellofortran</a:t>
-            </a:r>
-            <a:r>
-              <a:rPr lang="nb-NO" dirty="0"/>
-              <a:t> </a:t>
+              <a:t> run -i hellofortran1 </a:t>
             </a:r>
             <a:r>
               <a:rPr lang="nb-NO" dirty="0" err="1"/>
@@ -6995,7 +8113,174 @@
 </p:sld>
 </file>
 
-<file path=ppt/slides/slide7.xml><?xml version="1.0" encoding="utf-8"?>
+<file path=ppt/slides/slide8.xml><?xml version="1.0" encoding="utf-8"?>
+<p:sld xmlns:a="http://schemas.openxmlformats.org/drawingml/2006/main" xmlns:r="http://schemas.openxmlformats.org/officeDocument/2006/relationships" xmlns:p="http://schemas.openxmlformats.org/presentationml/2006/main">
+  <p:cSld>
+    <p:spTree>
+      <p:nvGrpSpPr>
+        <p:cNvPr id="1" name=""/>
+        <p:cNvGrpSpPr/>
+        <p:nvPr/>
+      </p:nvGrpSpPr>
+      <p:grpSpPr>
+        <a:xfrm>
+          <a:off x="0" y="0"/>
+          <a:ext cx="0" cy="0"/>
+          <a:chOff x="0" y="0"/>
+          <a:chExt cx="0" cy="0"/>
+        </a:xfrm>
+      </p:grpSpPr>
+      <p:sp>
+        <p:nvSpPr>
+          <p:cNvPr id="2" name="Tittel 1">
+            <a:extLst>
+              <a:ext uri="{FF2B5EF4-FFF2-40B4-BE49-F238E27FC236}">
+                <a16:creationId xmlns:a16="http://schemas.microsoft.com/office/drawing/2014/main" id="{D9B4B162-66B8-B8CA-8462-2B618C48A003}"/>
+              </a:ext>
+            </a:extLst>
+          </p:cNvPr>
+          <p:cNvSpPr>
+            <a:spLocks noGrp="1"/>
+          </p:cNvSpPr>
+          <p:nvPr>
+            <p:ph type="title"/>
+          </p:nvPr>
+        </p:nvSpPr>
+        <p:spPr/>
+        <p:txBody>
+          <a:bodyPr/>
+          <a:lstStyle/>
+          <a:p>
+            <a:r>
+              <a:rPr lang="nb-NO" dirty="0"/>
+              <a:t>Læringspunkter LAB1</a:t>
+            </a:r>
+          </a:p>
+        </p:txBody>
+      </p:sp>
+      <p:sp>
+        <p:nvSpPr>
+          <p:cNvPr id="3" name="Plassholder for innhold 2">
+            <a:extLst>
+              <a:ext uri="{FF2B5EF4-FFF2-40B4-BE49-F238E27FC236}">
+                <a16:creationId xmlns:a16="http://schemas.microsoft.com/office/drawing/2014/main" id="{6C29FB7C-4516-928D-B1E8-0EE5A1AEBFDD}"/>
+              </a:ext>
+            </a:extLst>
+          </p:cNvPr>
+          <p:cNvSpPr>
+            <a:spLocks noGrp="1"/>
+          </p:cNvSpPr>
+          <p:nvPr>
+            <p:ph idx="1"/>
+          </p:nvPr>
+        </p:nvSpPr>
+        <p:spPr/>
+        <p:txBody>
+          <a:bodyPr/>
+          <a:lstStyle/>
+          <a:p>
+            <a:r>
+              <a:rPr lang="nb-NO" dirty="0"/>
+              <a:t>Vi begynner med </a:t>
+            </a:r>
+            <a:r>
+              <a:rPr lang="nb-NO" dirty="0" err="1"/>
+              <a:t>centos</a:t>
+            </a:r>
+            <a:endParaRPr lang="nb-NO" dirty="0"/>
+          </a:p>
+          <a:p>
+            <a:r>
+              <a:rPr lang="nb-NO" dirty="0"/>
+              <a:t>Vi bruker byggesystemet </a:t>
+            </a:r>
+            <a:r>
+              <a:rPr lang="nb-NO" dirty="0" err="1"/>
+              <a:t>yum</a:t>
+            </a:r>
+            <a:r>
+              <a:rPr lang="nb-NO" dirty="0"/>
+              <a:t> til å installere </a:t>
+            </a:r>
+            <a:r>
+              <a:rPr lang="nb-NO" dirty="0" err="1"/>
+              <a:t>compiler</a:t>
+            </a:r>
+            <a:endParaRPr lang="nb-NO" dirty="0"/>
+          </a:p>
+          <a:p>
+            <a:pPr lvl="1"/>
+            <a:r>
+              <a:rPr lang="nb-NO" dirty="0" err="1"/>
+              <a:t>Centos</a:t>
+            </a:r>
+            <a:r>
+              <a:rPr lang="nb-NO" dirty="0"/>
+              <a:t> har YUM, </a:t>
+            </a:r>
+            <a:r>
+              <a:rPr lang="nb-NO" dirty="0" err="1"/>
+              <a:t>Ubuntu</a:t>
+            </a:r>
+            <a:r>
+              <a:rPr lang="nb-NO" dirty="0"/>
+              <a:t> har APT det finnes flere slike</a:t>
+            </a:r>
+          </a:p>
+          <a:p>
+            <a:r>
+              <a:rPr lang="nb-NO" dirty="0"/>
+              <a:t>Vi kopierer kildekoden inn i systemet</a:t>
+            </a:r>
+          </a:p>
+          <a:p>
+            <a:r>
+              <a:rPr lang="nb-NO" dirty="0"/>
+              <a:t>Vi bruker WORKDIR som cd kommando</a:t>
+            </a:r>
+          </a:p>
+          <a:p>
+            <a:r>
+              <a:rPr lang="nb-NO" dirty="0"/>
+              <a:t>Vi bruker en run kommando for å bygge</a:t>
+            </a:r>
+          </a:p>
+          <a:p>
+            <a:r>
+              <a:rPr lang="nb-NO" dirty="0"/>
+              <a:t>Vi bruker CMD til å kjøre det som er bygget</a:t>
+            </a:r>
+          </a:p>
+          <a:p>
+            <a:r>
+              <a:rPr lang="nb-NO" dirty="0"/>
+              <a:t>Vi bruker «</a:t>
+            </a:r>
+            <a:r>
+              <a:rPr lang="nb-NO" dirty="0" err="1"/>
+              <a:t>Docker</a:t>
+            </a:r>
+            <a:r>
+              <a:rPr lang="nb-NO" dirty="0"/>
+              <a:t>» kommandoen til bygging og kjøring</a:t>
+            </a:r>
+          </a:p>
+        </p:txBody>
+      </p:sp>
+    </p:spTree>
+    <p:extLst>
+      <p:ext uri="{BB962C8B-B14F-4D97-AF65-F5344CB8AC3E}">
+        <p14:creationId xmlns:p14="http://schemas.microsoft.com/office/powerpoint/2010/main" val="1638890739"/>
+      </p:ext>
+    </p:extLst>
+  </p:cSld>
+  <p:clrMapOvr>
+    <a:masterClrMapping/>
+  </p:clrMapOvr>
+</p:sld>
+</file>
+
+<file path=ppt/slides/slide9.xml><?xml version="1.0" encoding="utf-8"?>
 <p:sld xmlns:a="http://schemas.openxmlformats.org/drawingml/2006/main" xmlns:r="http://schemas.openxmlformats.org/officeDocument/2006/relationships" xmlns:p="http://schemas.openxmlformats.org/presentationml/2006/main">
   <p:cSld>
     <p:spTree>
@@ -7172,382 +8457,6 @@
     <p:extLst>
       <p:ext uri="{BB962C8B-B14F-4D97-AF65-F5344CB8AC3E}">
         <p14:creationId xmlns:p14="http://schemas.microsoft.com/office/powerpoint/2010/main" val="990133984"/>
-      </p:ext>
-    </p:extLst>
-  </p:cSld>
-  <p:clrMapOvr>
-    <a:masterClrMapping/>
-  </p:clrMapOvr>
-</p:sld>
-</file>
-
-<file path=ppt/slides/slide8.xml><?xml version="1.0" encoding="utf-8"?>
-<p:sld xmlns:a="http://schemas.openxmlformats.org/drawingml/2006/main" xmlns:r="http://schemas.openxmlformats.org/officeDocument/2006/relationships" xmlns:p="http://schemas.openxmlformats.org/presentationml/2006/main">
-  <p:cSld>
-    <p:spTree>
-      <p:nvGrpSpPr>
-        <p:cNvPr id="1" name=""/>
-        <p:cNvGrpSpPr/>
-        <p:nvPr/>
-      </p:nvGrpSpPr>
-      <p:grpSpPr>
-        <a:xfrm>
-          <a:off x="0" y="0"/>
-          <a:ext cx="0" cy="0"/>
-          <a:chOff x="0" y="0"/>
-          <a:chExt cx="0" cy="0"/>
-        </a:xfrm>
-      </p:grpSpPr>
-      <p:sp>
-        <p:nvSpPr>
-          <p:cNvPr id="2" name="Tittel 1">
-            <a:extLst>
-              <a:ext uri="{FF2B5EF4-FFF2-40B4-BE49-F238E27FC236}">
-                <a16:creationId xmlns:a16="http://schemas.microsoft.com/office/drawing/2014/main" id="{D6D94FEE-80A2-06AA-33F0-CF47613B7B4B}"/>
-              </a:ext>
-            </a:extLst>
-          </p:cNvPr>
-          <p:cNvSpPr>
-            <a:spLocks noGrp="1"/>
-          </p:cNvSpPr>
-          <p:nvPr>
-            <p:ph type="title"/>
-          </p:nvPr>
-        </p:nvSpPr>
-        <p:spPr/>
-        <p:txBody>
-          <a:bodyPr/>
-          <a:lstStyle/>
-          <a:p>
-            <a:r>
-              <a:rPr lang="nb-NO" dirty="0" err="1"/>
-              <a:t>Docker-compose</a:t>
-            </a:r>
-            <a:endParaRPr lang="nb-NO" dirty="0"/>
-          </a:p>
-        </p:txBody>
-      </p:sp>
-      <p:sp>
-        <p:nvSpPr>
-          <p:cNvPr id="3" name="Plassholder for innhold 2">
-            <a:extLst>
-              <a:ext uri="{FF2B5EF4-FFF2-40B4-BE49-F238E27FC236}">
-                <a16:creationId xmlns:a16="http://schemas.microsoft.com/office/drawing/2014/main" id="{388162EB-5B8C-5F9A-2CD2-F154C468C84E}"/>
-              </a:ext>
-            </a:extLst>
-          </p:cNvPr>
-          <p:cNvSpPr>
-            <a:spLocks noGrp="1"/>
-          </p:cNvSpPr>
-          <p:nvPr>
-            <p:ph idx="1"/>
-          </p:nvPr>
-        </p:nvSpPr>
-        <p:spPr/>
-        <p:txBody>
-          <a:bodyPr/>
-          <a:lstStyle/>
-          <a:p>
-            <a:endParaRPr lang="nb-NO" dirty="0"/>
-          </a:p>
-        </p:txBody>
-      </p:sp>
-      <p:pic>
-        <p:nvPicPr>
-          <p:cNvPr id="4" name="Bilde 3">
-            <a:extLst>
-              <a:ext uri="{FF2B5EF4-FFF2-40B4-BE49-F238E27FC236}">
-                <a16:creationId xmlns:a16="http://schemas.microsoft.com/office/drawing/2014/main" id="{364B0E3A-61F9-4B18-779D-4D811419B639}"/>
-              </a:ext>
-            </a:extLst>
-          </p:cNvPr>
-          <p:cNvPicPr>
-            <a:picLocks noChangeAspect="1"/>
-          </p:cNvPicPr>
-          <p:nvPr/>
-        </p:nvPicPr>
-        <p:blipFill>
-          <a:blip r:embed="rId3"/>
-          <a:stretch>
-            <a:fillRect/>
-          </a:stretch>
-        </p:blipFill>
-        <p:spPr>
-          <a:xfrm>
-            <a:off x="838200" y="1690688"/>
-            <a:ext cx="10863669" cy="4710064"/>
-          </a:xfrm>
-          <a:prstGeom prst="rect">
-            <a:avLst/>
-          </a:prstGeom>
-        </p:spPr>
-      </p:pic>
-    </p:spTree>
-    <p:extLst>
-      <p:ext uri="{BB962C8B-B14F-4D97-AF65-F5344CB8AC3E}">
-        <p14:creationId xmlns:p14="http://schemas.microsoft.com/office/powerpoint/2010/main" val="2716805231"/>
-      </p:ext>
-    </p:extLst>
-  </p:cSld>
-  <p:clrMapOvr>
-    <a:masterClrMapping/>
-  </p:clrMapOvr>
-</p:sld>
-</file>
-
-<file path=ppt/slides/slide9.xml><?xml version="1.0" encoding="utf-8"?>
-<p:sld xmlns:a="http://schemas.openxmlformats.org/drawingml/2006/main" xmlns:r="http://schemas.openxmlformats.org/officeDocument/2006/relationships" xmlns:p="http://schemas.openxmlformats.org/presentationml/2006/main">
-  <p:cSld>
-    <p:spTree>
-      <p:nvGrpSpPr>
-        <p:cNvPr id="1" name=""/>
-        <p:cNvGrpSpPr/>
-        <p:nvPr/>
-      </p:nvGrpSpPr>
-      <p:grpSpPr>
-        <a:xfrm>
-          <a:off x="0" y="0"/>
-          <a:ext cx="0" cy="0"/>
-          <a:chOff x="0" y="0"/>
-          <a:chExt cx="0" cy="0"/>
-        </a:xfrm>
-      </p:grpSpPr>
-      <p:sp>
-        <p:nvSpPr>
-          <p:cNvPr id="2" name="Tittel 1">
-            <a:extLst>
-              <a:ext uri="{FF2B5EF4-FFF2-40B4-BE49-F238E27FC236}">
-                <a16:creationId xmlns:a16="http://schemas.microsoft.com/office/drawing/2014/main" id="{842C715B-AF44-4C1D-02ED-2A3C911A7538}"/>
-              </a:ext>
-            </a:extLst>
-          </p:cNvPr>
-          <p:cNvSpPr>
-            <a:spLocks noGrp="1"/>
-          </p:cNvSpPr>
-          <p:nvPr>
-            <p:ph type="title"/>
-          </p:nvPr>
-        </p:nvSpPr>
-        <p:spPr/>
-        <p:txBody>
-          <a:bodyPr/>
-          <a:lstStyle/>
-          <a:p>
-            <a:r>
-              <a:rPr lang="nb-NO" dirty="0" err="1"/>
-              <a:t>Docker-compose</a:t>
-            </a:r>
-            <a:endParaRPr lang="nb-NO" dirty="0"/>
-          </a:p>
-        </p:txBody>
-      </p:sp>
-      <p:sp>
-        <p:nvSpPr>
-          <p:cNvPr id="3" name="Plassholder for innhold 2">
-            <a:extLst>
-              <a:ext uri="{FF2B5EF4-FFF2-40B4-BE49-F238E27FC236}">
-                <a16:creationId xmlns:a16="http://schemas.microsoft.com/office/drawing/2014/main" id="{04899C72-8B1B-1639-D207-AD2B7781DC63}"/>
-              </a:ext>
-            </a:extLst>
-          </p:cNvPr>
-          <p:cNvSpPr>
-            <a:spLocks noGrp="1"/>
-          </p:cNvSpPr>
-          <p:nvPr>
-            <p:ph idx="1"/>
-          </p:nvPr>
-        </p:nvSpPr>
-        <p:spPr/>
-        <p:txBody>
-          <a:bodyPr>
-            <a:normAutofit lnSpcReduction="10000"/>
-          </a:bodyPr>
-          <a:lstStyle/>
-          <a:p>
-            <a:r>
-              <a:rPr lang="nb-NO" dirty="0"/>
-              <a:t>Hva du MÅ vite</a:t>
-            </a:r>
-          </a:p>
-          <a:p>
-            <a:pPr lvl="1"/>
-            <a:r>
-              <a:rPr lang="nb-NO" dirty="0"/>
-              <a:t>Version: 3.7</a:t>
-            </a:r>
-          </a:p>
-          <a:p>
-            <a:pPr lvl="2"/>
-            <a:r>
-              <a:rPr lang="nb-NO" dirty="0"/>
-              <a:t>Refererer til syntaks versjonen av </a:t>
-            </a:r>
-            <a:r>
-              <a:rPr lang="nb-NO" dirty="0" err="1"/>
-              <a:t>docker-compose.yml</a:t>
-            </a:r>
-            <a:endParaRPr lang="nb-NO" dirty="0"/>
-          </a:p>
-          <a:p>
-            <a:pPr lvl="1"/>
-            <a:r>
-              <a:rPr lang="nb-NO" dirty="0"/>
-              <a:t>YML</a:t>
-            </a:r>
-          </a:p>
-          <a:p>
-            <a:pPr lvl="2"/>
-            <a:r>
-              <a:rPr lang="nb-NO" dirty="0"/>
-              <a:t>Alternativ til JSON.  JSON </a:t>
-            </a:r>
-            <a:r>
-              <a:rPr lang="nb-NO" dirty="0" err="1"/>
-              <a:t>meets</a:t>
-            </a:r>
-            <a:r>
-              <a:rPr lang="nb-NO" dirty="0"/>
-              <a:t> Python</a:t>
-            </a:r>
-          </a:p>
-          <a:p>
-            <a:pPr lvl="2"/>
-            <a:r>
-              <a:rPr lang="nb-NO" dirty="0"/>
-              <a:t>Innrykk er viktig</a:t>
-            </a:r>
-          </a:p>
-          <a:p>
-            <a:pPr lvl="2"/>
-            <a:r>
-              <a:rPr lang="nb-NO" dirty="0"/>
-              <a:t>«-» er </a:t>
-            </a:r>
-            <a:r>
-              <a:rPr lang="nb-NO" dirty="0" err="1"/>
-              <a:t>Array</a:t>
-            </a:r>
-            <a:r>
-              <a:rPr lang="nb-NO" dirty="0"/>
-              <a:t> notasjon</a:t>
-            </a:r>
-          </a:p>
-          <a:p>
-            <a:pPr lvl="1"/>
-            <a:r>
-              <a:rPr lang="nb-NO" dirty="0"/>
-              <a:t>Orkestrerer</a:t>
-            </a:r>
-          </a:p>
-          <a:p>
-            <a:pPr lvl="2"/>
-            <a:r>
-              <a:rPr lang="nb-NO" dirty="0"/>
-              <a:t>Kan knytte sammen flere containere, </a:t>
-            </a:r>
-          </a:p>
-          <a:p>
-            <a:pPr lvl="2"/>
-            <a:r>
-              <a:rPr lang="nb-NO" dirty="0"/>
-              <a:t>med filer og nett mellom disse</a:t>
-            </a:r>
-          </a:p>
-          <a:p>
-            <a:pPr lvl="1"/>
-            <a:r>
-              <a:rPr lang="nb-NO" dirty="0"/>
-              <a:t>Kommandoer</a:t>
-            </a:r>
-          </a:p>
-          <a:p>
-            <a:pPr lvl="2"/>
-            <a:r>
-              <a:rPr lang="nb-NO" dirty="0"/>
-              <a:t>:&gt;</a:t>
-            </a:r>
-            <a:r>
-              <a:rPr lang="nb-NO" dirty="0" err="1"/>
-              <a:t>docker-compose</a:t>
-            </a:r>
-            <a:r>
-              <a:rPr lang="nb-NO" dirty="0"/>
-              <a:t> up</a:t>
-            </a:r>
-          </a:p>
-          <a:p>
-            <a:pPr lvl="2"/>
-            <a:r>
-              <a:rPr lang="nb-NO" dirty="0"/>
-              <a:t>:&gt;</a:t>
-            </a:r>
-            <a:r>
-              <a:rPr lang="nb-NO" dirty="0" err="1"/>
-              <a:t>docker-compose</a:t>
-            </a:r>
-            <a:r>
-              <a:rPr lang="nb-NO" dirty="0"/>
-              <a:t> </a:t>
-            </a:r>
-            <a:r>
-              <a:rPr lang="nb-NO" dirty="0" err="1"/>
-              <a:t>down</a:t>
-            </a:r>
-            <a:endParaRPr lang="nb-NO" dirty="0"/>
-          </a:p>
-        </p:txBody>
-      </p:sp>
-      <p:pic>
-        <p:nvPicPr>
-          <p:cNvPr id="4" name="Picture 4" descr="Conoce el desarrollo Odoo con Docker | Guía rápida - Binaural">
-            <a:extLst>
-              <a:ext uri="{FF2B5EF4-FFF2-40B4-BE49-F238E27FC236}">
-                <a16:creationId xmlns:a16="http://schemas.microsoft.com/office/drawing/2014/main" id="{09600E2B-3F0C-8A2C-50F0-545428519762}"/>
-              </a:ext>
-            </a:extLst>
-          </p:cNvPr>
-          <p:cNvPicPr>
-            <a:picLocks noChangeAspect="1" noChangeArrowheads="1"/>
-          </p:cNvPicPr>
-          <p:nvPr/>
-        </p:nvPicPr>
-        <p:blipFill>
-          <a:blip r:embed="rId3">
-            <a:extLst>
-              <a:ext uri="{28A0092B-C50C-407E-A947-70E740481C1C}">
-                <a14:useLocalDpi xmlns:a14="http://schemas.microsoft.com/office/drawing/2010/main" val="0"/>
-              </a:ext>
-            </a:extLst>
-          </a:blip>
-          <a:srcRect/>
-          <a:stretch>
-            <a:fillRect/>
-          </a:stretch>
-        </p:blipFill>
-        <p:spPr bwMode="auto">
-          <a:xfrm>
-            <a:off x="6344528" y="3841482"/>
-            <a:ext cx="4713588" cy="2651393"/>
-          </a:xfrm>
-          <a:prstGeom prst="rect">
-            <a:avLst/>
-          </a:prstGeom>
-          <a:noFill/>
-          <a:extLst>
-            <a:ext uri="{909E8E84-426E-40DD-AFC4-6F175D3DCCD1}">
-              <a14:hiddenFill xmlns:a14="http://schemas.microsoft.com/office/drawing/2010/main">
-                <a:solidFill>
-                  <a:srgbClr val="FFFFFF"/>
-                </a:solidFill>
-              </a14:hiddenFill>
-            </a:ext>
-          </a:extLst>
-        </p:spPr>
-      </p:pic>
-    </p:spTree>
-    <p:extLst>
-      <p:ext uri="{BB962C8B-B14F-4D97-AF65-F5344CB8AC3E}">
-        <p14:creationId xmlns:p14="http://schemas.microsoft.com/office/powerpoint/2010/main" val="1245083469"/>
       </p:ext>
     </p:extLst>
   </p:cSld>
